--- a/research/Präsentation.pptx
+++ b/research/Präsentation.pptx
@@ -7,7 +7,19 @@
   <p:sldIdLst>
     <p:sldId id="256" r:id="rId2"/>
     <p:sldId id="257" r:id="rId3"/>
-    <p:sldId id="258" r:id="rId4"/>
+    <p:sldId id="260" r:id="rId4"/>
+    <p:sldId id="259" r:id="rId5"/>
+    <p:sldId id="261" r:id="rId6"/>
+    <p:sldId id="262" r:id="rId7"/>
+    <p:sldId id="263" r:id="rId8"/>
+    <p:sldId id="268" r:id="rId9"/>
+    <p:sldId id="269" r:id="rId10"/>
+    <p:sldId id="267" r:id="rId11"/>
+    <p:sldId id="265" r:id="rId12"/>
+    <p:sldId id="266" r:id="rId13"/>
+    <p:sldId id="270" r:id="rId14"/>
+    <p:sldId id="264" r:id="rId15"/>
+    <p:sldId id="258" r:id="rId16"/>
   </p:sldIdLst>
   <p:sldSz cx="12192000" cy="6858000"/>
   <p:notesSz cx="6858000" cy="9144000"/>
@@ -630,7 +642,7 @@
             <a:fld id="{B61BEF0D-F0BB-DE4B-95CE-6DB70DBA9567}" type="datetimeFigureOut">
               <a:rPr lang="en-US" dirty="0"/>
               <a:pPr/>
-              <a:t>5/14/2015</a:t>
+              <a:t>5/17/2015</a:t>
             </a:fld>
             <a:endParaRPr lang="en-US" dirty="0"/>
           </a:p>
@@ -868,7 +880,7 @@
           </a:lstStyle>
           <a:p>
             <a:r>
-              <a:rPr lang="de-DE" smtClean="0"/>
+              <a:rPr lang="de-DE" dirty="0" smtClean="0"/>
               <a:t>Bild durch Klicken auf Symbol hinzufügen</a:t>
             </a:r>
             <a:endParaRPr lang="en-US" dirty="0"/>
@@ -960,7 +972,7 @@
             <a:fld id="{B61BEF0D-F0BB-DE4B-95CE-6DB70DBA9567}" type="datetimeFigureOut">
               <a:rPr lang="en-US" dirty="0"/>
               <a:pPr/>
-              <a:t>5/14/2015</a:t>
+              <a:t>5/17/2015</a:t>
             </a:fld>
             <a:endParaRPr lang="en-US" dirty="0"/>
           </a:p>
@@ -1242,7 +1254,7 @@
             <a:fld id="{B61BEF0D-F0BB-DE4B-95CE-6DB70DBA9567}" type="datetimeFigureOut">
               <a:rPr lang="en-US" dirty="0"/>
               <a:pPr/>
-              <a:t>5/14/2015</a:t>
+              <a:t>5/17/2015</a:t>
             </a:fld>
             <a:endParaRPr lang="en-US" dirty="0"/>
           </a:p>
@@ -1816,7 +1828,7 @@
             <a:fld id="{B61BEF0D-F0BB-DE4B-95CE-6DB70DBA9567}" type="datetimeFigureOut">
               <a:rPr lang="en-US" dirty="0"/>
               <a:pPr/>
-              <a:t>5/14/2015</a:t>
+              <a:t>5/17/2015</a:t>
             </a:fld>
             <a:endParaRPr lang="en-US" dirty="0"/>
           </a:p>
@@ -2098,7 +2110,7 @@
             <a:fld id="{B61BEF0D-F0BB-DE4B-95CE-6DB70DBA9567}" type="datetimeFigureOut">
               <a:rPr lang="en-US" dirty="0"/>
               <a:pPr/>
-              <a:t>5/14/2015</a:t>
+              <a:t>5/17/2015</a:t>
             </a:fld>
             <a:endParaRPr lang="en-US" dirty="0"/>
           </a:p>
@@ -2664,7 +2676,7 @@
             <a:fld id="{B61BEF0D-F0BB-DE4B-95CE-6DB70DBA9567}" type="datetimeFigureOut">
               <a:rPr lang="en-US" dirty="0"/>
               <a:pPr/>
-              <a:t>5/14/2015</a:t>
+              <a:t>5/17/2015</a:t>
             </a:fld>
             <a:endParaRPr lang="en-US" dirty="0"/>
           </a:p>
@@ -2995,7 +3007,7 @@
             <a:fld id="{B61BEF0D-F0BB-DE4B-95CE-6DB70DBA9567}" type="datetimeFigureOut">
               <a:rPr lang="en-US" dirty="0"/>
               <a:pPr/>
-              <a:t>5/14/2015</a:t>
+              <a:t>5/17/2015</a:t>
             </a:fld>
             <a:endParaRPr lang="en-US" dirty="0"/>
           </a:p>
@@ -3203,7 +3215,7 @@
             <a:fld id="{B61BEF0D-F0BB-DE4B-95CE-6DB70DBA9567}" type="datetimeFigureOut">
               <a:rPr lang="en-US" dirty="0"/>
               <a:pPr/>
-              <a:t>5/14/2015</a:t>
+              <a:t>5/17/2015</a:t>
             </a:fld>
             <a:endParaRPr lang="en-US" dirty="0"/>
           </a:p>
@@ -3417,7 +3429,7 @@
             <a:fld id="{B61BEF0D-F0BB-DE4B-95CE-6DB70DBA9567}" type="datetimeFigureOut">
               <a:rPr lang="en-US" dirty="0"/>
               <a:pPr/>
-              <a:t>5/14/2015</a:t>
+              <a:t>5/17/2015</a:t>
             </a:fld>
             <a:endParaRPr lang="en-US" dirty="0"/>
           </a:p>
@@ -3567,7 +3579,12 @@
             <p:ph idx="1"/>
           </p:nvPr>
         </p:nvSpPr>
-        <p:spPr/>
+        <p:spPr>
+          <a:xfrm>
+            <a:off x="2269671" y="2666999"/>
+            <a:ext cx="9233352" cy="4027715"/>
+          </a:xfrm>
+        </p:spPr>
         <p:txBody>
           <a:bodyPr anchor="ctr"/>
           <a:lstStyle>
@@ -3653,7 +3670,7 @@
             <a:fld id="{B61BEF0D-F0BB-DE4B-95CE-6DB70DBA9567}" type="datetimeFigureOut">
               <a:rPr lang="en-US" dirty="0"/>
               <a:pPr/>
-              <a:t>5/14/2015</a:t>
+              <a:t>5/17/2015</a:t>
             </a:fld>
             <a:endParaRPr lang="en-US" dirty="0"/>
           </a:p>
@@ -3940,7 +3957,7 @@
             <a:fld id="{B61BEF0D-F0BB-DE4B-95CE-6DB70DBA9567}" type="datetimeFigureOut">
               <a:rPr lang="en-US" dirty="0"/>
               <a:pPr/>
-              <a:t>5/14/2015</a:t>
+              <a:t>5/17/2015</a:t>
             </a:fld>
             <a:endParaRPr lang="en-US" dirty="0"/>
           </a:p>
@@ -4277,7 +4294,7 @@
             <a:fld id="{B61BEF0D-F0BB-DE4B-95CE-6DB70DBA9567}" type="datetimeFigureOut">
               <a:rPr lang="en-US" dirty="0"/>
               <a:pPr/>
-              <a:t>5/14/2015</a:t>
+              <a:t>5/17/2015</a:t>
             </a:fld>
             <a:endParaRPr lang="en-US" dirty="0"/>
           </a:p>
@@ -4755,7 +4772,7 @@
             <a:fld id="{B61BEF0D-F0BB-DE4B-95CE-6DB70DBA9567}" type="datetimeFigureOut">
               <a:rPr lang="en-US" dirty="0"/>
               <a:pPr/>
-              <a:t>5/14/2015</a:t>
+              <a:t>5/17/2015</a:t>
             </a:fld>
             <a:endParaRPr lang="en-US" dirty="0"/>
           </a:p>
@@ -4907,7 +4924,7 @@
             <a:fld id="{B61BEF0D-F0BB-DE4B-95CE-6DB70DBA9567}" type="datetimeFigureOut">
               <a:rPr lang="en-US" dirty="0"/>
               <a:pPr/>
-              <a:t>5/14/2015</a:t>
+              <a:t>5/17/2015</a:t>
             </a:fld>
             <a:endParaRPr lang="en-US" dirty="0"/>
           </a:p>
@@ -5036,7 +5053,7 @@
             <a:fld id="{B61BEF0D-F0BB-DE4B-95CE-6DB70DBA9567}" type="datetimeFigureOut">
               <a:rPr lang="en-US" dirty="0"/>
               <a:pPr/>
-              <a:t>5/14/2015</a:t>
+              <a:t>5/17/2015</a:t>
             </a:fld>
             <a:endParaRPr lang="en-US" dirty="0"/>
           </a:p>
@@ -5353,7 +5370,7 @@
             <a:fld id="{B61BEF0D-F0BB-DE4B-95CE-6DB70DBA9567}" type="datetimeFigureOut">
               <a:rPr lang="en-US" dirty="0"/>
               <a:pPr/>
-              <a:t>5/14/2015</a:t>
+              <a:t>5/17/2015</a:t>
             </a:fld>
             <a:endParaRPr lang="en-US" dirty="0"/>
           </a:p>
@@ -5586,7 +5603,7 @@
           </a:lstStyle>
           <a:p>
             <a:r>
-              <a:rPr lang="de-DE" smtClean="0"/>
+              <a:rPr lang="de-DE" dirty="0" smtClean="0"/>
               <a:t>Bild durch Klicken auf Symbol hinzufügen</a:t>
             </a:r>
             <a:endParaRPr lang="en-US" dirty="0"/>
@@ -5678,7 +5695,7 @@
             <a:fld id="{B61BEF0D-F0BB-DE4B-95CE-6DB70DBA9567}" type="datetimeFigureOut">
               <a:rPr lang="en-US" dirty="0"/>
               <a:pPr/>
-              <a:t>5/14/2015</a:t>
+              <a:t>5/17/2015</a:t>
             </a:fld>
             <a:endParaRPr lang="en-US" dirty="0"/>
           </a:p>
@@ -6242,7 +6259,7 @@
             <a:fld id="{B61BEF0D-F0BB-DE4B-95CE-6DB70DBA9567}" type="datetimeFigureOut">
               <a:rPr lang="en-US" dirty="0"/>
               <a:pPr/>
-              <a:t>5/14/2015</a:t>
+              <a:t>5/17/2015</a:t>
             </a:fld>
             <a:endParaRPr lang="en-US" dirty="0"/>
           </a:p>
@@ -6850,11 +6867,7 @@
           <a:p>
             <a:r>
               <a:rPr lang="de-DE" dirty="0" smtClean="0"/>
-              <a:t>Patrick </a:t>
-            </a:r>
-            <a:r>
-              <a:rPr lang="de-DE" dirty="0" smtClean="0"/>
-              <a:t>Robinson</a:t>
+              <a:t>Patrick Robinson</a:t>
             </a:r>
           </a:p>
           <a:p>
@@ -6863,7 +6876,7 @@
               <a:t>Alex </a:t>
             </a:r>
             <a:r>
-              <a:rPr lang="de-DE" dirty="0" err="1" smtClean="0"/>
+              <a:rPr lang="de-DE" dirty="0" smtClean="0"/>
               <a:t>Laitenberger</a:t>
             </a:r>
             <a:endParaRPr lang="en-GB" dirty="0"/>
@@ -6874,6 +6887,749 @@
     <p:extLst>
       <p:ext uri="{BB962C8B-B14F-4D97-AF65-F5344CB8AC3E}">
         <p14:creationId xmlns:p14="http://schemas.microsoft.com/office/powerpoint/2010/main" val="2298807582"/>
+      </p:ext>
+    </p:extLst>
+  </p:cSld>
+  <p:clrMapOvr>
+    <a:masterClrMapping/>
+  </p:clrMapOvr>
+  <p:timing>
+    <p:tnLst>
+      <p:par>
+        <p:cTn id="1" dur="indefinite" restart="never" nodeType="tmRoot"/>
+      </p:par>
+    </p:tnLst>
+  </p:timing>
+</p:sld>
+</file>
+
+<file path=ppt/slides/slide10.xml><?xml version="1.0" encoding="utf-8"?>
+<p:sld xmlns:a="http://schemas.openxmlformats.org/drawingml/2006/main" xmlns:r="http://schemas.openxmlformats.org/officeDocument/2006/relationships" xmlns:p="http://schemas.openxmlformats.org/presentationml/2006/main">
+  <p:cSld>
+    <p:spTree>
+      <p:nvGrpSpPr>
+        <p:cNvPr id="1" name=""/>
+        <p:cNvGrpSpPr/>
+        <p:nvPr/>
+      </p:nvGrpSpPr>
+      <p:grpSpPr>
+        <a:xfrm>
+          <a:off x="0" y="0"/>
+          <a:ext cx="0" cy="0"/>
+          <a:chOff x="0" y="0"/>
+          <a:chExt cx="0" cy="0"/>
+        </a:xfrm>
+      </p:grpSpPr>
+      <p:sp>
+        <p:nvSpPr>
+          <p:cNvPr id="2" name="Title 1"/>
+          <p:cNvSpPr>
+            <a:spLocks noGrp="1"/>
+          </p:cNvSpPr>
+          <p:nvPr>
+            <p:ph type="title"/>
+          </p:nvPr>
+        </p:nvSpPr>
+        <p:spPr>
+          <a:xfrm>
+            <a:off x="1545788" y="0"/>
+            <a:ext cx="10018713" cy="757989"/>
+          </a:xfrm>
+        </p:spPr>
+        <p:txBody>
+          <a:bodyPr/>
+          <a:lstStyle/>
+          <a:p>
+            <a:r>
+              <a:rPr lang="de-DE" dirty="0" smtClean="0"/>
+              <a:t>Server Push</a:t>
+            </a:r>
+            <a:endParaRPr lang="de-DE" dirty="0"/>
+          </a:p>
+        </p:txBody>
+      </p:sp>
+      <p:pic>
+        <p:nvPicPr>
+          <p:cNvPr id="4" name="Content Placeholder 3"/>
+          <p:cNvPicPr>
+            <a:picLocks noGrp="1" noChangeAspect="1"/>
+          </p:cNvPicPr>
+          <p:nvPr>
+            <p:ph idx="1"/>
+          </p:nvPr>
+        </p:nvPicPr>
+        <p:blipFill>
+          <a:blip r:embed="rId2">
+            <a:clrChange>
+              <a:clrFrom>
+                <a:srgbClr val="FFFFFF"/>
+              </a:clrFrom>
+              <a:clrTo>
+                <a:srgbClr val="FFFFFF">
+                  <a:alpha val="0"/>
+                </a:srgbClr>
+              </a:clrTo>
+            </a:clrChange>
+            <a:extLst>
+              <a:ext uri="{28A0092B-C50C-407E-A947-70E740481C1C}">
+                <a14:useLocalDpi xmlns:a14="http://schemas.microsoft.com/office/drawing/2010/main" val="0"/>
+              </a:ext>
+            </a:extLst>
+          </a:blip>
+          <a:stretch>
+            <a:fillRect/>
+          </a:stretch>
+        </p:blipFill>
+        <p:spPr>
+          <a:xfrm>
+            <a:off x="1353283" y="946484"/>
+            <a:ext cx="10646212" cy="5414211"/>
+          </a:xfrm>
+        </p:spPr>
+      </p:pic>
+    </p:spTree>
+    <p:extLst>
+      <p:ext uri="{BB962C8B-B14F-4D97-AF65-F5344CB8AC3E}">
+        <p14:creationId xmlns:p14="http://schemas.microsoft.com/office/powerpoint/2010/main" val="3661841273"/>
+      </p:ext>
+    </p:extLst>
+  </p:cSld>
+  <p:clrMapOvr>
+    <a:masterClrMapping/>
+  </p:clrMapOvr>
+  <p:timing>
+    <p:tnLst>
+      <p:par>
+        <p:cTn id="1" dur="indefinite" restart="never" nodeType="tmRoot"/>
+      </p:par>
+    </p:tnLst>
+  </p:timing>
+</p:sld>
+</file>
+
+<file path=ppt/slides/slide11.xml><?xml version="1.0" encoding="utf-8"?>
+<p:sld xmlns:a="http://schemas.openxmlformats.org/drawingml/2006/main" xmlns:r="http://schemas.openxmlformats.org/officeDocument/2006/relationships" xmlns:p="http://schemas.openxmlformats.org/presentationml/2006/main">
+  <p:cSld>
+    <p:spTree>
+      <p:nvGrpSpPr>
+        <p:cNvPr id="1" name=""/>
+        <p:cNvGrpSpPr/>
+        <p:nvPr/>
+      </p:nvGrpSpPr>
+      <p:grpSpPr>
+        <a:xfrm>
+          <a:off x="0" y="0"/>
+          <a:ext cx="0" cy="0"/>
+          <a:chOff x="0" y="0"/>
+          <a:chExt cx="0" cy="0"/>
+        </a:xfrm>
+      </p:grpSpPr>
+      <p:sp>
+        <p:nvSpPr>
+          <p:cNvPr id="2" name="Title 1"/>
+          <p:cNvSpPr>
+            <a:spLocks noGrp="1"/>
+          </p:cNvSpPr>
+          <p:nvPr>
+            <p:ph type="title"/>
+          </p:nvPr>
+        </p:nvSpPr>
+        <p:spPr/>
+        <p:txBody>
+          <a:bodyPr/>
+          <a:lstStyle/>
+          <a:p>
+            <a:r>
+              <a:rPr lang="de-DE" dirty="0" smtClean="0"/>
+              <a:t>SPDY Gateway</a:t>
+            </a:r>
+            <a:endParaRPr lang="de-DE" dirty="0"/>
+          </a:p>
+        </p:txBody>
+      </p:sp>
+      <p:sp>
+        <p:nvSpPr>
+          <p:cNvPr id="3" name="Content Placeholder 2"/>
+          <p:cNvSpPr>
+            <a:spLocks noGrp="1"/>
+          </p:cNvSpPr>
+          <p:nvPr>
+            <p:ph idx="1"/>
+          </p:nvPr>
+        </p:nvSpPr>
+        <p:spPr/>
+        <p:txBody>
+          <a:bodyPr/>
+          <a:lstStyle/>
+          <a:p>
+            <a:r>
+              <a:rPr lang="de-DE" dirty="0" smtClean="0"/>
+              <a:t>Platzierung von SPDY Gateway in Datenzentren</a:t>
+            </a:r>
+          </a:p>
+          <a:p>
+            <a:pPr lvl="1"/>
+            <a:r>
+              <a:rPr lang="de-DE" dirty="0" smtClean="0"/>
+              <a:t>Niedrige Latenz zu Servern</a:t>
+            </a:r>
+          </a:p>
+          <a:p>
+            <a:pPr lvl="1"/>
+            <a:r>
+              <a:rPr lang="de-DE" dirty="0" smtClean="0"/>
+              <a:t>Vorteile von SPDY über Hochlatenznetze auch ohne Serversupport</a:t>
+            </a:r>
+          </a:p>
+          <a:p>
+            <a:r>
+              <a:rPr lang="de-DE" dirty="0" smtClean="0"/>
+              <a:t>Offene Frage: Sind SPDY Gateways auch nach einer umfassenden Nutzung von SPDY / HTTP 2 weiter sinnvoll?</a:t>
+            </a:r>
+          </a:p>
+          <a:p>
+            <a:pPr lvl="1"/>
+            <a:r>
+              <a:rPr lang="de-DE" dirty="0" smtClean="0"/>
+              <a:t>Einige Konzepte weiterhin nützlich</a:t>
+            </a:r>
+          </a:p>
+          <a:p>
+            <a:pPr lvl="1"/>
+            <a:r>
+              <a:rPr lang="de-DE" dirty="0" smtClean="0"/>
+              <a:t>Problem: Verschlüsselung</a:t>
+            </a:r>
+            <a:endParaRPr lang="de-DE" dirty="0"/>
+          </a:p>
+        </p:txBody>
+      </p:sp>
+    </p:spTree>
+    <p:extLst>
+      <p:ext uri="{BB962C8B-B14F-4D97-AF65-F5344CB8AC3E}">
+        <p14:creationId xmlns:p14="http://schemas.microsoft.com/office/powerpoint/2010/main" val="2466542394"/>
+      </p:ext>
+    </p:extLst>
+  </p:cSld>
+  <p:clrMapOvr>
+    <a:masterClrMapping/>
+  </p:clrMapOvr>
+  <p:timing>
+    <p:tnLst>
+      <p:par>
+        <p:cTn id="1" dur="indefinite" restart="never" nodeType="tmRoot"/>
+      </p:par>
+    </p:tnLst>
+  </p:timing>
+</p:sld>
+</file>
+
+<file path=ppt/slides/slide12.xml><?xml version="1.0" encoding="utf-8"?>
+<p:sld xmlns:a="http://schemas.openxmlformats.org/drawingml/2006/main" xmlns:r="http://schemas.openxmlformats.org/officeDocument/2006/relationships" xmlns:p="http://schemas.openxmlformats.org/presentationml/2006/main">
+  <p:cSld>
+    <p:spTree>
+      <p:nvGrpSpPr>
+        <p:cNvPr id="1" name=""/>
+        <p:cNvGrpSpPr/>
+        <p:nvPr/>
+      </p:nvGrpSpPr>
+      <p:grpSpPr>
+        <a:xfrm>
+          <a:off x="0" y="0"/>
+          <a:ext cx="0" cy="0"/>
+          <a:chOff x="0" y="0"/>
+          <a:chExt cx="0" cy="0"/>
+        </a:xfrm>
+      </p:grpSpPr>
+      <p:sp>
+        <p:nvSpPr>
+          <p:cNvPr id="2" name="Title 1"/>
+          <p:cNvSpPr>
+            <a:spLocks noGrp="1"/>
+          </p:cNvSpPr>
+          <p:nvPr>
+            <p:ph type="title"/>
+          </p:nvPr>
+        </p:nvSpPr>
+        <p:spPr/>
+        <p:txBody>
+          <a:bodyPr/>
+          <a:lstStyle/>
+          <a:p>
+            <a:r>
+              <a:rPr lang="de-DE" dirty="0" smtClean="0"/>
+              <a:t>SPDY Gateway (TODO Diagramm)</a:t>
+            </a:r>
+            <a:endParaRPr lang="de-DE" dirty="0"/>
+          </a:p>
+        </p:txBody>
+      </p:sp>
+      <p:sp>
+        <p:nvSpPr>
+          <p:cNvPr id="3" name="Content Placeholder 2"/>
+          <p:cNvSpPr>
+            <a:spLocks noGrp="1"/>
+          </p:cNvSpPr>
+          <p:nvPr>
+            <p:ph idx="1"/>
+          </p:nvPr>
+        </p:nvSpPr>
+        <p:spPr/>
+        <p:txBody>
+          <a:bodyPr/>
+          <a:lstStyle/>
+          <a:p>
+            <a:endParaRPr lang="de-DE"/>
+          </a:p>
+        </p:txBody>
+      </p:sp>
+    </p:spTree>
+    <p:extLst>
+      <p:ext uri="{BB962C8B-B14F-4D97-AF65-F5344CB8AC3E}">
+        <p14:creationId xmlns:p14="http://schemas.microsoft.com/office/powerpoint/2010/main" val="642311038"/>
+      </p:ext>
+    </p:extLst>
+  </p:cSld>
+  <p:clrMapOvr>
+    <a:masterClrMapping/>
+  </p:clrMapOvr>
+  <p:timing>
+    <p:tnLst>
+      <p:par>
+        <p:cTn id="1" dur="indefinite" restart="never" nodeType="tmRoot"/>
+      </p:par>
+    </p:tnLst>
+  </p:timing>
+</p:sld>
+</file>
+
+<file path=ppt/slides/slide13.xml><?xml version="1.0" encoding="utf-8"?>
+<p:sld xmlns:a="http://schemas.openxmlformats.org/drawingml/2006/main" xmlns:r="http://schemas.openxmlformats.org/officeDocument/2006/relationships" xmlns:p="http://schemas.openxmlformats.org/presentationml/2006/main">
+  <p:cSld>
+    <p:spTree>
+      <p:nvGrpSpPr>
+        <p:cNvPr id="1" name=""/>
+        <p:cNvGrpSpPr/>
+        <p:nvPr/>
+      </p:nvGrpSpPr>
+      <p:grpSpPr>
+        <a:xfrm>
+          <a:off x="0" y="0"/>
+          <a:ext cx="0" cy="0"/>
+          <a:chOff x="0" y="0"/>
+          <a:chExt cx="0" cy="0"/>
+        </a:xfrm>
+      </p:grpSpPr>
+      <p:sp>
+        <p:nvSpPr>
+          <p:cNvPr id="2" name="Title 1"/>
+          <p:cNvSpPr>
+            <a:spLocks noGrp="1"/>
+          </p:cNvSpPr>
+          <p:nvPr>
+            <p:ph type="title"/>
+          </p:nvPr>
+        </p:nvSpPr>
+        <p:spPr/>
+        <p:txBody>
+          <a:bodyPr/>
+          <a:lstStyle/>
+          <a:p>
+            <a:r>
+              <a:rPr lang="de-DE" dirty="0" smtClean="0"/>
+              <a:t>SPDY Gateway (TODO detaillierte </a:t>
+            </a:r>
+            <a:r>
+              <a:rPr lang="de-DE" dirty="0"/>
+              <a:t>Erklärung Funktionsweise &amp; </a:t>
+            </a:r>
+            <a:r>
+              <a:rPr lang="de-DE" dirty="0" smtClean="0"/>
+              <a:t>Vorteile)</a:t>
+            </a:r>
+            <a:endParaRPr lang="de-DE" dirty="0"/>
+          </a:p>
+        </p:txBody>
+      </p:sp>
+      <p:sp>
+        <p:nvSpPr>
+          <p:cNvPr id="3" name="Content Placeholder 2"/>
+          <p:cNvSpPr>
+            <a:spLocks noGrp="1"/>
+          </p:cNvSpPr>
+          <p:nvPr>
+            <p:ph idx="1"/>
+          </p:nvPr>
+        </p:nvSpPr>
+        <p:spPr/>
+        <p:txBody>
+          <a:bodyPr>
+            <a:normAutofit lnSpcReduction="10000"/>
+          </a:bodyPr>
+          <a:lstStyle/>
+          <a:p>
+            <a:r>
+              <a:rPr lang="de-DE" dirty="0" smtClean="0"/>
+              <a:t>Weiter Vorteile:</a:t>
+            </a:r>
+          </a:p>
+          <a:p>
+            <a:pPr lvl="1"/>
+            <a:r>
+              <a:rPr lang="de-DE" dirty="0" smtClean="0"/>
+              <a:t>Nutzung der gleichen TCP-Verbindung und potenziell SPDY-Verbindung für </a:t>
+            </a:r>
+            <a:r>
+              <a:rPr lang="de-DE" dirty="0" err="1" smtClean="0"/>
+              <a:t>mutiple</a:t>
+            </a:r>
+            <a:r>
+              <a:rPr lang="de-DE" dirty="0" smtClean="0"/>
+              <a:t> Server z.B. eines Datacenters</a:t>
+            </a:r>
+          </a:p>
+          <a:p>
+            <a:pPr lvl="2"/>
+            <a:r>
+              <a:rPr lang="de-DE" dirty="0" smtClean="0"/>
+              <a:t>Latenz durch Verbindungsaufbau einmal pro Datacenter statt einmal pro HTTP-Verbindung</a:t>
+            </a:r>
+          </a:p>
+          <a:p>
+            <a:pPr lvl="1"/>
+            <a:r>
+              <a:rPr lang="de-DE" dirty="0" smtClean="0"/>
+              <a:t>Datacenter kann Pool von TCP-Verbindungen zu häufig genutzten externen Server vorhalten</a:t>
+            </a:r>
+          </a:p>
+          <a:p>
+            <a:pPr lvl="1"/>
+            <a:r>
+              <a:rPr lang="de-DE" dirty="0" smtClean="0"/>
+              <a:t>DNS Lookup von Gateway aus (kürzere Zeiten &amp; besser </a:t>
+            </a:r>
+            <a:r>
+              <a:rPr lang="de-DE" dirty="0" err="1" smtClean="0"/>
+              <a:t>cachebar</a:t>
+            </a:r>
+            <a:r>
+              <a:rPr lang="de-DE" dirty="0" smtClean="0"/>
+              <a:t>)</a:t>
+            </a:r>
+          </a:p>
+          <a:p>
+            <a:r>
+              <a:rPr lang="de-DE" dirty="0" smtClean="0"/>
+              <a:t>Nutzung</a:t>
+            </a:r>
+          </a:p>
+          <a:p>
+            <a:pPr lvl="1"/>
+            <a:r>
+              <a:rPr lang="de-DE" dirty="0" smtClean="0"/>
+              <a:t>Amazon Silk</a:t>
+            </a:r>
+          </a:p>
+        </p:txBody>
+      </p:sp>
+    </p:spTree>
+    <p:extLst>
+      <p:ext uri="{BB962C8B-B14F-4D97-AF65-F5344CB8AC3E}">
+        <p14:creationId xmlns:p14="http://schemas.microsoft.com/office/powerpoint/2010/main" val="4213909158"/>
+      </p:ext>
+    </p:extLst>
+  </p:cSld>
+  <p:clrMapOvr>
+    <a:masterClrMapping/>
+  </p:clrMapOvr>
+  <p:timing>
+    <p:tnLst>
+      <p:par>
+        <p:cTn id="1" dur="indefinite" restart="never" nodeType="tmRoot"/>
+      </p:par>
+    </p:tnLst>
+  </p:timing>
+</p:sld>
+</file>
+
+<file path=ppt/slides/slide14.xml><?xml version="1.0" encoding="utf-8"?>
+<p:sld xmlns:a="http://schemas.openxmlformats.org/drawingml/2006/main" xmlns:r="http://schemas.openxmlformats.org/officeDocument/2006/relationships" xmlns:p="http://schemas.openxmlformats.org/presentationml/2006/main">
+  <p:cSld>
+    <p:spTree>
+      <p:nvGrpSpPr>
+        <p:cNvPr id="1" name=""/>
+        <p:cNvGrpSpPr/>
+        <p:nvPr/>
+      </p:nvGrpSpPr>
+      <p:grpSpPr>
+        <a:xfrm>
+          <a:off x="0" y="0"/>
+          <a:ext cx="0" cy="0"/>
+          <a:chOff x="0" y="0"/>
+          <a:chExt cx="0" cy="0"/>
+        </a:xfrm>
+      </p:grpSpPr>
+      <p:sp>
+        <p:nvSpPr>
+          <p:cNvPr id="2" name="Title 1"/>
+          <p:cNvSpPr>
+            <a:spLocks noGrp="1"/>
+          </p:cNvSpPr>
+          <p:nvPr>
+            <p:ph type="title"/>
+          </p:nvPr>
+        </p:nvSpPr>
+        <p:spPr/>
+        <p:txBody>
+          <a:bodyPr/>
+          <a:lstStyle/>
+          <a:p>
+            <a:r>
+              <a:rPr lang="de-DE" dirty="0" smtClean="0"/>
+              <a:t>Security</a:t>
+            </a:r>
+            <a:endParaRPr lang="de-DE" dirty="0"/>
+          </a:p>
+        </p:txBody>
+      </p:sp>
+      <p:sp>
+        <p:nvSpPr>
+          <p:cNvPr id="3" name="Content Placeholder 2"/>
+          <p:cNvSpPr>
+            <a:spLocks noGrp="1"/>
+          </p:cNvSpPr>
+          <p:nvPr>
+            <p:ph idx="1"/>
+          </p:nvPr>
+        </p:nvSpPr>
+        <p:spPr/>
+        <p:txBody>
+          <a:bodyPr/>
+          <a:lstStyle/>
+          <a:p>
+            <a:r>
+              <a:rPr lang="de-DE" dirty="0" smtClean="0"/>
+              <a:t>Standardmäßig verschlüsselt</a:t>
+            </a:r>
+          </a:p>
+          <a:p>
+            <a:pPr lvl="1"/>
+            <a:r>
+              <a:rPr lang="de-DE" dirty="0" smtClean="0"/>
+              <a:t>In Chrome in späteren Versionen zwangsweise Verschlüsselung</a:t>
+            </a:r>
+          </a:p>
+          <a:p>
+            <a:pPr lvl="1"/>
+            <a:r>
+              <a:rPr lang="de-DE" dirty="0" smtClean="0"/>
+              <a:t>Teil von Googles &amp; </a:t>
+            </a:r>
+            <a:r>
+              <a:rPr lang="de-DE" dirty="0" err="1" smtClean="0"/>
+              <a:t>Mozillas</a:t>
+            </a:r>
+            <a:r>
+              <a:rPr lang="de-DE" dirty="0" smtClean="0"/>
+              <a:t> Initiative zur vollständigen Verschlüsselung</a:t>
+            </a:r>
+            <a:endParaRPr lang="de-DE" dirty="0"/>
+          </a:p>
+        </p:txBody>
+      </p:sp>
+    </p:spTree>
+    <p:extLst>
+      <p:ext uri="{BB962C8B-B14F-4D97-AF65-F5344CB8AC3E}">
+        <p14:creationId xmlns:p14="http://schemas.microsoft.com/office/powerpoint/2010/main" val="2417534759"/>
+      </p:ext>
+    </p:extLst>
+  </p:cSld>
+  <p:clrMapOvr>
+    <a:masterClrMapping/>
+  </p:clrMapOvr>
+  <p:timing>
+    <p:tnLst>
+      <p:par>
+        <p:cTn id="1" dur="indefinite" restart="never" nodeType="tmRoot"/>
+      </p:par>
+    </p:tnLst>
+  </p:timing>
+</p:sld>
+</file>
+
+<file path=ppt/slides/slide15.xml><?xml version="1.0" encoding="utf-8"?>
+<p:sld xmlns:a="http://schemas.openxmlformats.org/drawingml/2006/main" xmlns:r="http://schemas.openxmlformats.org/officeDocument/2006/relationships" xmlns:p="http://schemas.openxmlformats.org/presentationml/2006/main">
+  <p:cSld>
+    <p:spTree>
+      <p:nvGrpSpPr>
+        <p:cNvPr id="1" name=""/>
+        <p:cNvGrpSpPr/>
+        <p:nvPr/>
+      </p:nvGrpSpPr>
+      <p:grpSpPr>
+        <a:xfrm>
+          <a:off x="0" y="0"/>
+          <a:ext cx="0" cy="0"/>
+          <a:chOff x="0" y="0"/>
+          <a:chExt cx="0" cy="0"/>
+        </a:xfrm>
+      </p:grpSpPr>
+      <p:sp>
+        <p:nvSpPr>
+          <p:cNvPr id="2" name="Title 1"/>
+          <p:cNvSpPr>
+            <a:spLocks noGrp="1"/>
+          </p:cNvSpPr>
+          <p:nvPr>
+            <p:ph type="title"/>
+          </p:nvPr>
+        </p:nvSpPr>
+        <p:spPr/>
+        <p:txBody>
+          <a:bodyPr/>
+          <a:lstStyle/>
+          <a:p>
+            <a:r>
+              <a:rPr lang="de-DE" dirty="0" smtClean="0"/>
+              <a:t>Quellen</a:t>
+            </a:r>
+            <a:endParaRPr lang="de-DE" dirty="0"/>
+          </a:p>
+        </p:txBody>
+      </p:sp>
+      <p:sp>
+        <p:nvSpPr>
+          <p:cNvPr id="3" name="Content Placeholder 2"/>
+          <p:cNvSpPr>
+            <a:spLocks noGrp="1"/>
+          </p:cNvSpPr>
+          <p:nvPr>
+            <p:ph idx="1"/>
+          </p:nvPr>
+        </p:nvSpPr>
+        <p:spPr/>
+        <p:txBody>
+          <a:bodyPr/>
+          <a:lstStyle/>
+          <a:p>
+            <a:r>
+              <a:rPr lang="de-DE" dirty="0" smtClean="0"/>
+              <a:t>SPDYing</a:t>
+            </a:r>
+            <a:r>
+              <a:rPr lang="de-DE" dirty="0" smtClean="0"/>
+              <a:t> </a:t>
+            </a:r>
+            <a:r>
+              <a:rPr lang="de-DE" dirty="0" smtClean="0"/>
+              <a:t>Up</a:t>
+            </a:r>
+            <a:r>
+              <a:rPr lang="de-DE" dirty="0" smtClean="0"/>
+              <a:t> </a:t>
+            </a:r>
+            <a:r>
+              <a:rPr lang="de-DE" dirty="0" smtClean="0"/>
+              <a:t>the</a:t>
+            </a:r>
+            <a:r>
+              <a:rPr lang="de-DE" dirty="0" smtClean="0"/>
+              <a:t> Web, Bryce Thomas, Raja </a:t>
+            </a:r>
+            <a:r>
+              <a:rPr lang="de-DE" dirty="0" smtClean="0"/>
+              <a:t>Jurdak</a:t>
+            </a:r>
+            <a:r>
+              <a:rPr lang="de-DE" dirty="0"/>
+              <a:t> </a:t>
+            </a:r>
+            <a:r>
+              <a:rPr lang="de-DE" dirty="0" smtClean="0"/>
+              <a:t>&amp; Ian Atkinson, Communications </a:t>
+            </a:r>
+            <a:r>
+              <a:rPr lang="de-DE" dirty="0" smtClean="0"/>
+              <a:t>of</a:t>
+            </a:r>
+            <a:r>
+              <a:rPr lang="de-DE" dirty="0" smtClean="0"/>
+              <a:t> </a:t>
+            </a:r>
+            <a:r>
+              <a:rPr lang="de-DE" dirty="0" smtClean="0"/>
+              <a:t>the</a:t>
+            </a:r>
+            <a:r>
+              <a:rPr lang="de-DE" dirty="0" smtClean="0"/>
+              <a:t> ACM, Volume 55 </a:t>
+            </a:r>
+            <a:r>
+              <a:rPr lang="de-DE" dirty="0" smtClean="0"/>
+              <a:t>Issue</a:t>
+            </a:r>
+            <a:r>
+              <a:rPr lang="de-DE" dirty="0" smtClean="0"/>
+              <a:t> 12, Dezember </a:t>
+            </a:r>
+            <a:r>
+              <a:rPr lang="de-DE" dirty="0" smtClean="0"/>
+              <a:t>2012</a:t>
+            </a:r>
+          </a:p>
+          <a:p>
+            <a:r>
+              <a:rPr lang="de-DE" dirty="0" smtClean="0"/>
+              <a:t>Making </a:t>
+            </a:r>
+            <a:r>
+              <a:rPr lang="de-DE" dirty="0" err="1" smtClean="0"/>
+              <a:t>the</a:t>
+            </a:r>
+            <a:r>
+              <a:rPr lang="de-DE" dirty="0" smtClean="0"/>
+              <a:t> web </a:t>
+            </a:r>
+            <a:r>
+              <a:rPr lang="de-DE" dirty="0" err="1" smtClean="0"/>
+              <a:t>speedier</a:t>
+            </a:r>
+            <a:r>
+              <a:rPr lang="de-DE" dirty="0" smtClean="0"/>
+              <a:t> </a:t>
+            </a:r>
+            <a:r>
+              <a:rPr lang="de-DE" dirty="0" err="1" smtClean="0"/>
+              <a:t>and</a:t>
+            </a:r>
+            <a:r>
+              <a:rPr lang="de-DE" dirty="0" smtClean="0"/>
+              <a:t> </a:t>
+            </a:r>
+            <a:r>
+              <a:rPr lang="de-DE" dirty="0" err="1" smtClean="0"/>
+              <a:t>safer</a:t>
+            </a:r>
+            <a:r>
+              <a:rPr lang="de-DE" dirty="0" smtClean="0"/>
+              <a:t> </a:t>
+            </a:r>
+            <a:r>
+              <a:rPr lang="de-DE" dirty="0" err="1" smtClean="0"/>
+              <a:t>with</a:t>
+            </a:r>
+            <a:r>
+              <a:rPr lang="de-DE" dirty="0" smtClean="0"/>
+              <a:t> SPDY, Roberto Peon, Will Chang, 26.01.12</a:t>
+            </a:r>
+            <a:endParaRPr lang="de-DE" dirty="0"/>
+          </a:p>
+        </p:txBody>
+      </p:sp>
+    </p:spTree>
+    <p:extLst>
+      <p:ext uri="{BB962C8B-B14F-4D97-AF65-F5344CB8AC3E}">
+        <p14:creationId xmlns:p14="http://schemas.microsoft.com/office/powerpoint/2010/main" val="3802960179"/>
       </p:ext>
     </p:extLst>
   </p:cSld>
@@ -6950,27 +7706,32 @@
               <a:t>Was </a:t>
             </a:r>
             <a:r>
+              <a:rPr lang="en-GB" dirty="0" smtClean="0"/>
+              <a:t>ist</a:t>
+            </a:r>
+            <a:r>
+              <a:rPr lang="en-GB" dirty="0" smtClean="0"/>
+              <a:t> SPDY</a:t>
+            </a:r>
+            <a:r>
+              <a:rPr lang="en-GB" dirty="0" smtClean="0"/>
+              <a:t>?</a:t>
+            </a:r>
+          </a:p>
+          <a:p>
+            <a:pPr lvl="1"/>
+            <a:r>
+              <a:rPr lang="en-GB" dirty="0" smtClean="0"/>
+              <a:t>Support</a:t>
+            </a:r>
+          </a:p>
+          <a:p>
+            <a:pPr lvl="1"/>
+            <a:r>
               <a:rPr lang="en-GB" dirty="0" err="1" smtClean="0"/>
-              <a:t>ist</a:t>
-            </a:r>
-            <a:r>
-              <a:rPr lang="en-GB" dirty="0" smtClean="0"/>
-              <a:t> SPDY?</a:t>
-            </a:r>
-          </a:p>
-          <a:p>
-            <a:r>
-              <a:rPr lang="en-GB" dirty="0" smtClean="0"/>
-              <a:t>Geschichte HTTP</a:t>
-            </a:r>
-          </a:p>
-          <a:p>
-            <a:pPr lvl="1"/>
-            <a:r>
-              <a:rPr lang="en-GB" dirty="0" err="1" smtClean="0"/>
-              <a:t>Probleme</a:t>
-            </a:r>
-            <a:endParaRPr lang="en-GB" dirty="0"/>
+              <a:t>Ziele</a:t>
+            </a:r>
+            <a:endParaRPr lang="en-GB" dirty="0" smtClean="0"/>
           </a:p>
           <a:p>
             <a:r>
@@ -6983,15 +7744,7 @@
             </a:r>
             <a:r>
               <a:rPr lang="en-GB" dirty="0" err="1" smtClean="0"/>
-              <a:t>Verbesserungen</a:t>
-            </a:r>
-            <a:r>
-              <a:rPr lang="en-GB" dirty="0" smtClean="0"/>
-              <a:t> </a:t>
-            </a:r>
-            <a:r>
-              <a:rPr lang="en-GB" dirty="0" err="1" smtClean="0"/>
-              <a:t>durch</a:t>
+              <a:t>Konzepte</a:t>
             </a:r>
             <a:r>
               <a:rPr lang="en-GB" dirty="0" smtClean="0"/>
@@ -6999,21 +7752,33 @@
             </a:r>
           </a:p>
           <a:p>
+            <a:pPr lvl="1"/>
+            <a:r>
+              <a:rPr lang="en-GB" dirty="0" smtClean="0"/>
+              <a:t>Multiplexing</a:t>
+            </a:r>
+          </a:p>
+          <a:p>
+            <a:pPr lvl="1"/>
+            <a:r>
+              <a:rPr lang="en-GB" dirty="0" smtClean="0"/>
+              <a:t>Server Push</a:t>
+            </a:r>
+          </a:p>
+          <a:p>
+            <a:pPr lvl="1"/>
+            <a:r>
+              <a:rPr lang="en-GB" dirty="0" smtClean="0"/>
+              <a:t>Gateways</a:t>
+            </a:r>
+            <a:endParaRPr lang="en-GB" dirty="0" smtClean="0"/>
+          </a:p>
+          <a:p>
             <a:r>
               <a:rPr lang="en-GB" dirty="0" smtClean="0"/>
               <a:t>Security</a:t>
             </a:r>
-          </a:p>
-          <a:p>
-            <a:r>
-              <a:rPr lang="en-GB" dirty="0" smtClean="0"/>
-              <a:t>Migration &amp; Status </a:t>
-            </a:r>
-            <a:r>
-              <a:rPr lang="en-GB" smtClean="0"/>
-              <a:t>SPDY Support</a:t>
-            </a:r>
-            <a:endParaRPr lang="en-GB" dirty="0"/>
+            <a:endParaRPr lang="en-GB" dirty="0" smtClean="0"/>
           </a:p>
         </p:txBody>
       </p:sp>
@@ -7071,7 +7836,7 @@
           <a:p>
             <a:r>
               <a:rPr lang="de-DE" dirty="0" smtClean="0"/>
-              <a:t>Quellen</a:t>
+              <a:t>Was ist SPDY</a:t>
             </a:r>
             <a:endParaRPr lang="de-DE" dirty="0"/>
           </a:p>
@@ -7093,8 +7858,18 @@
           <a:lstStyle/>
           <a:p>
             <a:r>
+              <a:rPr lang="de-DE" dirty="0" smtClean="0"/>
+              <a:t>Entwickelt von Google 2010 // TODO Datum korrekt?</a:t>
+            </a:r>
+          </a:p>
+          <a:p>
+            <a:r>
+              <a:rPr lang="de-DE" dirty="0" smtClean="0"/>
+              <a:t>Drop-in </a:t>
+            </a:r>
+            <a:r>
               <a:rPr lang="de-DE" dirty="0" err="1" smtClean="0"/>
-              <a:t>SPDYing</a:t>
+              <a:t>replacement</a:t>
             </a:r>
             <a:r>
               <a:rPr lang="de-DE" dirty="0" smtClean="0"/>
@@ -7102,56 +7877,60 @@
             </a:r>
             <a:r>
               <a:rPr lang="de-DE" dirty="0" err="1" smtClean="0"/>
-              <a:t>Up</a:t>
-            </a:r>
-            <a:r>
-              <a:rPr lang="de-DE" dirty="0" smtClean="0"/>
-              <a:t> </a:t>
+              <a:t>for</a:t>
+            </a:r>
+            <a:r>
+              <a:rPr lang="de-DE" dirty="0" smtClean="0"/>
+              <a:t> HTTP // TODO Deutsch?</a:t>
+            </a:r>
+          </a:p>
+          <a:p>
+            <a:r>
+              <a:rPr lang="de-DE" dirty="0" smtClean="0"/>
+              <a:t>Zentraler Beitrag zu HTTP 2</a:t>
+            </a:r>
+          </a:p>
+          <a:p>
+            <a:pPr lvl="1"/>
+            <a:r>
+              <a:rPr lang="de-DE" dirty="0" smtClean="0"/>
+              <a:t>Erster </a:t>
             </a:r>
             <a:r>
               <a:rPr lang="de-DE" dirty="0" err="1" smtClean="0"/>
-              <a:t>the</a:t>
-            </a:r>
-            <a:r>
-              <a:rPr lang="de-DE" dirty="0" smtClean="0"/>
-              <a:t> Web, Bryce Thomas, Raja </a:t>
-            </a:r>
+              <a:t>Draft</a:t>
+            </a:r>
+            <a:r>
+              <a:rPr lang="de-DE" dirty="0" smtClean="0"/>
+              <a:t> HTTP/2 = SPDY</a:t>
+            </a:r>
+          </a:p>
+          <a:p>
+            <a:pPr lvl="1"/>
+            <a:r>
+              <a:rPr lang="de-DE" dirty="0" smtClean="0"/>
+              <a:t>Testen &amp; Entwickeln von Konzepten</a:t>
+            </a:r>
+          </a:p>
+          <a:p>
+            <a:pPr lvl="1"/>
             <a:r>
               <a:rPr lang="de-DE" dirty="0" err="1" smtClean="0"/>
-              <a:t>Jurdak</a:t>
-            </a:r>
-            <a:r>
-              <a:rPr lang="de-DE" dirty="0"/>
-              <a:t> </a:t>
-            </a:r>
-            <a:r>
-              <a:rPr lang="de-DE" dirty="0" smtClean="0"/>
-              <a:t>&amp; Ian Atkinson, Communications </a:t>
-            </a:r>
-            <a:r>
-              <a:rPr lang="de-DE" dirty="0" err="1" smtClean="0"/>
-              <a:t>of</a:t>
-            </a:r>
-            <a:r>
-              <a:rPr lang="de-DE" dirty="0" smtClean="0"/>
-              <a:t> </a:t>
-            </a:r>
-            <a:r>
-              <a:rPr lang="de-DE" dirty="0" err="1" smtClean="0"/>
-              <a:t>the</a:t>
-            </a:r>
-            <a:r>
-              <a:rPr lang="de-DE" dirty="0" smtClean="0"/>
-              <a:t> ACM, Volume 55 </a:t>
-            </a:r>
-            <a:r>
-              <a:rPr lang="de-DE" dirty="0" err="1" smtClean="0"/>
-              <a:t>Issue</a:t>
-            </a:r>
-            <a:r>
-              <a:rPr lang="de-DE" dirty="0" smtClean="0"/>
-              <a:t> 12, Dezember 2012</a:t>
-            </a:r>
+              <a:t>Superset</a:t>
+            </a:r>
+            <a:r>
+              <a:rPr lang="de-DE" dirty="0" smtClean="0"/>
+              <a:t> von HTTP 2</a:t>
+            </a:r>
+          </a:p>
+          <a:p>
+            <a:pPr lvl="2"/>
+            <a:r>
+              <a:rPr lang="de-DE" dirty="0" smtClean="0"/>
+              <a:t>QUIC</a:t>
+            </a:r>
+          </a:p>
+          <a:p>
             <a:endParaRPr lang="de-DE" dirty="0"/>
           </a:p>
         </p:txBody>
@@ -7159,13 +7938,800 @@
     </p:spTree>
     <p:extLst>
       <p:ext uri="{BB962C8B-B14F-4D97-AF65-F5344CB8AC3E}">
-        <p14:creationId xmlns:p14="http://schemas.microsoft.com/office/powerpoint/2010/main" val="3802960179"/>
+        <p14:creationId xmlns:p14="http://schemas.microsoft.com/office/powerpoint/2010/main" val="3904802397"/>
       </p:ext>
     </p:extLst>
   </p:cSld>
   <p:clrMapOvr>
     <a:masterClrMapping/>
   </p:clrMapOvr>
+  <p:timing>
+    <p:tnLst>
+      <p:par>
+        <p:cTn id="1" dur="indefinite" restart="never" nodeType="tmRoot"/>
+      </p:par>
+    </p:tnLst>
+  </p:timing>
+</p:sld>
+</file>
+
+<file path=ppt/slides/slide4.xml><?xml version="1.0" encoding="utf-8"?>
+<p:sld xmlns:a="http://schemas.openxmlformats.org/drawingml/2006/main" xmlns:r="http://schemas.openxmlformats.org/officeDocument/2006/relationships" xmlns:p="http://schemas.openxmlformats.org/presentationml/2006/main">
+  <p:cSld>
+    <p:spTree>
+      <p:nvGrpSpPr>
+        <p:cNvPr id="1" name=""/>
+        <p:cNvGrpSpPr/>
+        <p:nvPr/>
+      </p:nvGrpSpPr>
+      <p:grpSpPr>
+        <a:xfrm>
+          <a:off x="0" y="0"/>
+          <a:ext cx="0" cy="0"/>
+          <a:chOff x="0" y="0"/>
+          <a:chExt cx="0" cy="0"/>
+        </a:xfrm>
+      </p:grpSpPr>
+      <p:sp>
+        <p:nvSpPr>
+          <p:cNvPr id="2" name="Title 1"/>
+          <p:cNvSpPr>
+            <a:spLocks noGrp="1"/>
+          </p:cNvSpPr>
+          <p:nvPr>
+            <p:ph type="title"/>
+          </p:nvPr>
+        </p:nvSpPr>
+        <p:spPr/>
+        <p:txBody>
+          <a:bodyPr/>
+          <a:lstStyle/>
+          <a:p>
+            <a:r>
+              <a:rPr lang="de-DE" dirty="0" smtClean="0"/>
+              <a:t>Support</a:t>
+            </a:r>
+            <a:endParaRPr lang="de-DE" dirty="0"/>
+          </a:p>
+        </p:txBody>
+      </p:sp>
+      <p:sp>
+        <p:nvSpPr>
+          <p:cNvPr id="3" name="Content Placeholder 2"/>
+          <p:cNvSpPr>
+            <a:spLocks noGrp="1"/>
+          </p:cNvSpPr>
+          <p:nvPr>
+            <p:ph idx="1"/>
+          </p:nvPr>
+        </p:nvSpPr>
+        <p:spPr>
+          <a:xfrm>
+            <a:off x="2269671" y="1969477"/>
+            <a:ext cx="9233352" cy="4888523"/>
+          </a:xfrm>
+        </p:spPr>
+        <p:txBody>
+          <a:bodyPr>
+            <a:normAutofit lnSpcReduction="10000"/>
+          </a:bodyPr>
+          <a:lstStyle/>
+          <a:p>
+            <a:r>
+              <a:rPr lang="de-DE" dirty="0" smtClean="0"/>
+              <a:t>Client</a:t>
+            </a:r>
+          </a:p>
+          <a:p>
+            <a:pPr lvl="1"/>
+            <a:r>
+              <a:rPr lang="de-DE" dirty="0" smtClean="0"/>
+              <a:t>Chrome 4, Firefox 13, IE 11, Opera 12.10, Safari 8</a:t>
+            </a:r>
+          </a:p>
+          <a:p>
+            <a:pPr lvl="1"/>
+            <a:r>
+              <a:rPr lang="de-DE" dirty="0" smtClean="0"/>
+              <a:t>Mobile: IE 11, Safari 8, Android 3, Chrome 42, Firefox 37, Opera Mobile, Silk</a:t>
+            </a:r>
+          </a:p>
+          <a:p>
+            <a:r>
+              <a:rPr lang="de-DE" dirty="0" smtClean="0"/>
+              <a:t>Server</a:t>
+            </a:r>
+          </a:p>
+          <a:p>
+            <a:pPr lvl="1"/>
+            <a:r>
+              <a:rPr lang="de-DE" dirty="0" smtClean="0"/>
+              <a:t>Apache, </a:t>
+            </a:r>
+            <a:r>
+              <a:rPr lang="de-DE" dirty="0" smtClean="0"/>
+              <a:t>Nginx</a:t>
+            </a:r>
+            <a:r>
+              <a:rPr lang="de-DE" dirty="0" smtClean="0"/>
+              <a:t>, Node.js, Ruby, Python, </a:t>
+            </a:r>
+            <a:r>
+              <a:rPr lang="de-DE" dirty="0" smtClean="0"/>
+              <a:t>Jetty</a:t>
+            </a:r>
+            <a:r>
+              <a:rPr lang="de-DE" dirty="0" smtClean="0"/>
+              <a:t>, Go, Erlang, …</a:t>
+            </a:r>
+          </a:p>
+          <a:p>
+            <a:r>
+              <a:rPr lang="de-DE" dirty="0" smtClean="0"/>
+              <a:t>Große Unternehmen</a:t>
+            </a:r>
+          </a:p>
+          <a:p>
+            <a:pPr lvl="1"/>
+            <a:r>
+              <a:rPr lang="de-DE" dirty="0" smtClean="0"/>
+              <a:t>Google, Twitter, Facebook, Wikimedia, </a:t>
+            </a:r>
+            <a:r>
+              <a:rPr lang="de-DE" dirty="0" err="1" smtClean="0"/>
+              <a:t>Reddit</a:t>
+            </a:r>
+            <a:r>
+              <a:rPr lang="de-DE" dirty="0" smtClean="0"/>
+              <a:t>, Yahoo, Wordpress, …</a:t>
+            </a:r>
+          </a:p>
+          <a:p>
+            <a:pPr lvl="1"/>
+            <a:r>
+              <a:rPr lang="de-DE" dirty="0" smtClean="0"/>
+              <a:t>CDNs (</a:t>
+            </a:r>
+            <a:r>
+              <a:rPr lang="de-DE" dirty="0" err="1" smtClean="0"/>
+              <a:t>CloudFlare</a:t>
+            </a:r>
+            <a:r>
+              <a:rPr lang="de-DE" dirty="0" smtClean="0"/>
+              <a:t>, </a:t>
+            </a:r>
+            <a:r>
+              <a:rPr lang="de-DE" dirty="0" err="1" smtClean="0"/>
+              <a:t>MaxCDN</a:t>
+            </a:r>
+            <a:r>
+              <a:rPr lang="de-DE" dirty="0" smtClean="0"/>
+              <a:t>, …)</a:t>
+            </a:r>
+          </a:p>
+          <a:p>
+            <a:r>
+              <a:rPr lang="de-DE" dirty="0" smtClean="0"/>
+              <a:t>SPDY Gateway</a:t>
+            </a:r>
+          </a:p>
+          <a:p>
+            <a:pPr lvl="1"/>
+            <a:r>
+              <a:rPr lang="de-DE" dirty="0" smtClean="0"/>
+              <a:t>SPDY bis zum Gateway, HTTP vom Gateway zu nicht-SPDY Hosts</a:t>
+            </a:r>
+          </a:p>
+          <a:p>
+            <a:pPr lvl="1"/>
+            <a:r>
+              <a:rPr lang="de-DE" dirty="0" smtClean="0"/>
+              <a:t>Amazon Silk</a:t>
+            </a:r>
+            <a:endParaRPr lang="de-DE" dirty="0"/>
+          </a:p>
+        </p:txBody>
+      </p:sp>
+    </p:spTree>
+    <p:extLst>
+      <p:ext uri="{BB962C8B-B14F-4D97-AF65-F5344CB8AC3E}">
+        <p14:creationId xmlns:p14="http://schemas.microsoft.com/office/powerpoint/2010/main" val="447738846"/>
+      </p:ext>
+    </p:extLst>
+  </p:cSld>
+  <p:clrMapOvr>
+    <a:masterClrMapping/>
+  </p:clrMapOvr>
+  <p:timing>
+    <p:tnLst>
+      <p:par>
+        <p:cTn id="1" dur="indefinite" restart="never" nodeType="tmRoot"/>
+      </p:par>
+    </p:tnLst>
+  </p:timing>
+</p:sld>
+</file>
+
+<file path=ppt/slides/slide5.xml><?xml version="1.0" encoding="utf-8"?>
+<p:sld xmlns:a="http://schemas.openxmlformats.org/drawingml/2006/main" xmlns:r="http://schemas.openxmlformats.org/officeDocument/2006/relationships" xmlns:p="http://schemas.openxmlformats.org/presentationml/2006/main">
+  <p:cSld>
+    <p:spTree>
+      <p:nvGrpSpPr>
+        <p:cNvPr id="1" name=""/>
+        <p:cNvGrpSpPr/>
+        <p:nvPr/>
+      </p:nvGrpSpPr>
+      <p:grpSpPr>
+        <a:xfrm>
+          <a:off x="0" y="0"/>
+          <a:ext cx="0" cy="0"/>
+          <a:chOff x="0" y="0"/>
+          <a:chExt cx="0" cy="0"/>
+        </a:xfrm>
+      </p:grpSpPr>
+      <p:sp>
+        <p:nvSpPr>
+          <p:cNvPr id="2" name="Title 1"/>
+          <p:cNvSpPr>
+            <a:spLocks noGrp="1"/>
+          </p:cNvSpPr>
+          <p:nvPr>
+            <p:ph type="title"/>
+          </p:nvPr>
+        </p:nvSpPr>
+        <p:spPr/>
+        <p:txBody>
+          <a:bodyPr/>
+          <a:lstStyle/>
+          <a:p>
+            <a:r>
+              <a:rPr lang="de-DE" dirty="0" smtClean="0"/>
+              <a:t>Ziele</a:t>
+            </a:r>
+            <a:endParaRPr lang="de-DE" dirty="0"/>
+          </a:p>
+        </p:txBody>
+      </p:sp>
+      <p:sp>
+        <p:nvSpPr>
+          <p:cNvPr id="3" name="Content Placeholder 2"/>
+          <p:cNvSpPr>
+            <a:spLocks noGrp="1"/>
+          </p:cNvSpPr>
+          <p:nvPr>
+            <p:ph idx="1"/>
+          </p:nvPr>
+        </p:nvSpPr>
+        <p:spPr/>
+        <p:txBody>
+          <a:bodyPr/>
+          <a:lstStyle/>
+          <a:p>
+            <a:r>
+              <a:rPr lang="de-DE" dirty="0" smtClean="0"/>
+              <a:t>Behebung von Probleme des HTTP-Protokolls</a:t>
+            </a:r>
+          </a:p>
+          <a:p>
+            <a:r>
+              <a:rPr lang="de-DE" dirty="0" smtClean="0"/>
+              <a:t>Anpassung an Veränderungen des Webs</a:t>
+            </a:r>
+          </a:p>
+          <a:p>
+            <a:r>
+              <a:rPr lang="de-DE" dirty="0" smtClean="0"/>
+              <a:t>Vermeidung von Round-Trips</a:t>
+            </a:r>
+          </a:p>
+          <a:p>
+            <a:pPr lvl="1"/>
+            <a:r>
+              <a:rPr lang="de-DE" dirty="0" smtClean="0"/>
+              <a:t>Besonders wichtig in Netzen mit hoher Latenz oder häufigen Fehlübertragungen (z.B. Mobilfunk, DSL „letzte Meile“)</a:t>
+            </a:r>
+          </a:p>
+          <a:p>
+            <a:r>
+              <a:rPr lang="de-DE" dirty="0" smtClean="0"/>
+              <a:t>Sicherheit</a:t>
+            </a:r>
+            <a:endParaRPr lang="de-DE" dirty="0"/>
+          </a:p>
+        </p:txBody>
+      </p:sp>
+    </p:spTree>
+    <p:extLst>
+      <p:ext uri="{BB962C8B-B14F-4D97-AF65-F5344CB8AC3E}">
+        <p14:creationId xmlns:p14="http://schemas.microsoft.com/office/powerpoint/2010/main" val="458605768"/>
+      </p:ext>
+    </p:extLst>
+  </p:cSld>
+  <p:clrMapOvr>
+    <a:masterClrMapping/>
+  </p:clrMapOvr>
+  <p:timing>
+    <p:tnLst>
+      <p:par>
+        <p:cTn id="1" dur="indefinite" restart="never" nodeType="tmRoot"/>
+      </p:par>
+    </p:tnLst>
+  </p:timing>
+</p:sld>
+</file>
+
+<file path=ppt/slides/slide6.xml><?xml version="1.0" encoding="utf-8"?>
+<p:sld xmlns:a="http://schemas.openxmlformats.org/drawingml/2006/main" xmlns:r="http://schemas.openxmlformats.org/officeDocument/2006/relationships" xmlns:p="http://schemas.openxmlformats.org/presentationml/2006/main">
+  <p:cSld>
+    <p:spTree>
+      <p:nvGrpSpPr>
+        <p:cNvPr id="1" name=""/>
+        <p:cNvGrpSpPr/>
+        <p:nvPr/>
+      </p:nvGrpSpPr>
+      <p:grpSpPr>
+        <a:xfrm>
+          <a:off x="0" y="0"/>
+          <a:ext cx="0" cy="0"/>
+          <a:chOff x="0" y="0"/>
+          <a:chExt cx="0" cy="0"/>
+        </a:xfrm>
+      </p:grpSpPr>
+      <p:sp>
+        <p:nvSpPr>
+          <p:cNvPr id="2" name="Title 1"/>
+          <p:cNvSpPr>
+            <a:spLocks noGrp="1"/>
+          </p:cNvSpPr>
+          <p:nvPr>
+            <p:ph type="title"/>
+          </p:nvPr>
+        </p:nvSpPr>
+        <p:spPr/>
+        <p:txBody>
+          <a:bodyPr/>
+          <a:lstStyle/>
+          <a:p>
+            <a:r>
+              <a:rPr lang="de-DE" dirty="0" smtClean="0"/>
+              <a:t>Zentrale Konzepte</a:t>
+            </a:r>
+            <a:endParaRPr lang="de-DE" dirty="0"/>
+          </a:p>
+        </p:txBody>
+      </p:sp>
+      <p:sp>
+        <p:nvSpPr>
+          <p:cNvPr id="3" name="Content Placeholder 2"/>
+          <p:cNvSpPr>
+            <a:spLocks noGrp="1"/>
+          </p:cNvSpPr>
+          <p:nvPr>
+            <p:ph idx="1"/>
+          </p:nvPr>
+        </p:nvSpPr>
+        <p:spPr/>
+        <p:txBody>
+          <a:bodyPr/>
+          <a:lstStyle/>
+          <a:p>
+            <a:r>
+              <a:rPr lang="de-DE" dirty="0" smtClean="0"/>
+              <a:t>Request Multiplexing</a:t>
+            </a:r>
+          </a:p>
+          <a:p>
+            <a:r>
+              <a:rPr lang="de-DE" dirty="0" smtClean="0"/>
+              <a:t>Request </a:t>
+            </a:r>
+            <a:r>
+              <a:rPr lang="de-DE" dirty="0" err="1" smtClean="0"/>
+              <a:t>Prioritization</a:t>
+            </a:r>
+            <a:endParaRPr lang="de-DE" dirty="0" smtClean="0"/>
+          </a:p>
+          <a:p>
+            <a:pPr lvl="1"/>
+            <a:r>
+              <a:rPr lang="de-DE" dirty="0" smtClean="0"/>
+              <a:t>z.B. offener </a:t>
+            </a:r>
+            <a:r>
+              <a:rPr lang="de-DE" dirty="0" err="1" smtClean="0"/>
+              <a:t>vs</a:t>
+            </a:r>
+            <a:r>
+              <a:rPr lang="de-DE" dirty="0" smtClean="0"/>
+              <a:t> Hintergrundtabs, Elemente, die weiteres Rendern </a:t>
+            </a:r>
+            <a:r>
+              <a:rPr lang="de-DE" dirty="0" err="1" smtClean="0"/>
+              <a:t>blokieren</a:t>
+            </a:r>
+            <a:endParaRPr lang="de-DE" dirty="0" smtClean="0"/>
+          </a:p>
+          <a:p>
+            <a:r>
+              <a:rPr lang="de-DE" dirty="0" smtClean="0"/>
+              <a:t>Header </a:t>
+            </a:r>
+            <a:r>
+              <a:rPr lang="de-DE" dirty="0" err="1" smtClean="0"/>
+              <a:t>Compression</a:t>
+            </a:r>
+            <a:endParaRPr lang="de-DE" dirty="0" smtClean="0"/>
+          </a:p>
+          <a:p>
+            <a:pPr lvl="1"/>
+            <a:r>
+              <a:rPr lang="de-DE" dirty="0" smtClean="0"/>
+              <a:t>Viele Daten bleiben gleich, werden aber oft gesendet (z.B. User Agent)</a:t>
+            </a:r>
+          </a:p>
+          <a:p>
+            <a:r>
+              <a:rPr lang="de-DE" dirty="0" smtClean="0"/>
+              <a:t>Server Push</a:t>
+            </a:r>
+          </a:p>
+          <a:p>
+            <a:r>
+              <a:rPr lang="de-DE" dirty="0" smtClean="0"/>
+              <a:t>Gateway</a:t>
+            </a:r>
+            <a:endParaRPr lang="de-DE" dirty="0"/>
+          </a:p>
+        </p:txBody>
+      </p:sp>
+    </p:spTree>
+    <p:extLst>
+      <p:ext uri="{BB962C8B-B14F-4D97-AF65-F5344CB8AC3E}">
+        <p14:creationId xmlns:p14="http://schemas.microsoft.com/office/powerpoint/2010/main" val="296538984"/>
+      </p:ext>
+    </p:extLst>
+  </p:cSld>
+  <p:clrMapOvr>
+    <a:masterClrMapping/>
+  </p:clrMapOvr>
+  <p:timing>
+    <p:tnLst>
+      <p:par>
+        <p:cTn id="1" dur="indefinite" restart="never" nodeType="tmRoot"/>
+      </p:par>
+    </p:tnLst>
+  </p:timing>
+</p:sld>
+</file>
+
+<file path=ppt/slides/slide7.xml><?xml version="1.0" encoding="utf-8"?>
+<p:sld xmlns:a="http://schemas.openxmlformats.org/drawingml/2006/main" xmlns:r="http://schemas.openxmlformats.org/officeDocument/2006/relationships" xmlns:p="http://schemas.openxmlformats.org/presentationml/2006/main">
+  <p:cSld>
+    <p:spTree>
+      <p:nvGrpSpPr>
+        <p:cNvPr id="1" name=""/>
+        <p:cNvGrpSpPr/>
+        <p:nvPr/>
+      </p:nvGrpSpPr>
+      <p:grpSpPr>
+        <a:xfrm>
+          <a:off x="0" y="0"/>
+          <a:ext cx="0" cy="0"/>
+          <a:chOff x="0" y="0"/>
+          <a:chExt cx="0" cy="0"/>
+        </a:xfrm>
+      </p:grpSpPr>
+      <p:sp>
+        <p:nvSpPr>
+          <p:cNvPr id="2" name="Title 1"/>
+          <p:cNvSpPr>
+            <a:spLocks noGrp="1"/>
+          </p:cNvSpPr>
+          <p:nvPr>
+            <p:ph type="title"/>
+          </p:nvPr>
+        </p:nvSpPr>
+        <p:spPr/>
+        <p:txBody>
+          <a:bodyPr/>
+          <a:lstStyle/>
+          <a:p>
+            <a:r>
+              <a:rPr lang="de-DE" dirty="0" smtClean="0"/>
+              <a:t>Request Multiplexing</a:t>
+            </a:r>
+            <a:endParaRPr lang="de-DE" dirty="0"/>
+          </a:p>
+        </p:txBody>
+      </p:sp>
+      <p:sp>
+        <p:nvSpPr>
+          <p:cNvPr id="3" name="Content Placeholder 2"/>
+          <p:cNvSpPr>
+            <a:spLocks noGrp="1"/>
+          </p:cNvSpPr>
+          <p:nvPr>
+            <p:ph idx="1"/>
+          </p:nvPr>
+        </p:nvSpPr>
+        <p:spPr/>
+        <p:txBody>
+          <a:bodyPr/>
+          <a:lstStyle/>
+          <a:p>
+            <a:r>
+              <a:rPr lang="de-DE" dirty="0" smtClean="0"/>
+              <a:t>Probleme HTTP 1.1/TCP</a:t>
+            </a:r>
+          </a:p>
+          <a:p>
+            <a:pPr lvl="1"/>
+            <a:r>
+              <a:rPr lang="de-DE" dirty="0" smtClean="0"/>
+              <a:t>Aufbau großer Zahl HTTP-Verbindungen und multipler TCP-Verbindungen für jede HTTP-Verbindung</a:t>
+            </a:r>
+          </a:p>
+          <a:p>
+            <a:pPr lvl="1"/>
+            <a:r>
+              <a:rPr lang="de-DE" dirty="0" smtClean="0"/>
+              <a:t>Jede TCP-Verbindung macht 3-Way-Handshake &amp; Slow-Start durch und versucht Bandbreite zu regulieren</a:t>
+            </a:r>
+          </a:p>
+          <a:p>
+            <a:pPr lvl="1"/>
+            <a:r>
+              <a:rPr lang="de-DE" dirty="0" smtClean="0"/>
+              <a:t>Kurzlebige Verbindungen mit hohem Overhead und wiederholten Round-Trips</a:t>
+            </a:r>
+          </a:p>
+          <a:p>
+            <a:pPr lvl="1"/>
+            <a:r>
+              <a:rPr lang="de-DE" dirty="0" smtClean="0"/>
+              <a:t>Widerspricht eigentlich HTTP Standard, ist aber in allen modernen Browsern</a:t>
+            </a:r>
+          </a:p>
+          <a:p>
+            <a:pPr lvl="1"/>
+            <a:r>
+              <a:rPr lang="de-DE" dirty="0" smtClean="0"/>
+              <a:t>HTML: Burstartiger Traffic</a:t>
+            </a:r>
+          </a:p>
+          <a:p>
+            <a:r>
+              <a:rPr lang="de-DE" dirty="0" smtClean="0"/>
+              <a:t>SPDY kann mehrere Datenströme in einer Verbindung handhaben</a:t>
+            </a:r>
+            <a:endParaRPr lang="de-DE" dirty="0"/>
+          </a:p>
+        </p:txBody>
+      </p:sp>
+    </p:spTree>
+    <p:extLst>
+      <p:ext uri="{BB962C8B-B14F-4D97-AF65-F5344CB8AC3E}">
+        <p14:creationId xmlns:p14="http://schemas.microsoft.com/office/powerpoint/2010/main" val="1039754094"/>
+      </p:ext>
+    </p:extLst>
+  </p:cSld>
+  <p:clrMapOvr>
+    <a:masterClrMapping/>
+  </p:clrMapOvr>
+  <p:timing>
+    <p:tnLst>
+      <p:par>
+        <p:cTn id="1" dur="indefinite" restart="never" nodeType="tmRoot"/>
+      </p:par>
+    </p:tnLst>
+  </p:timing>
+</p:sld>
+</file>
+
+<file path=ppt/slides/slide8.xml><?xml version="1.0" encoding="utf-8"?>
+<p:sld xmlns:a="http://schemas.openxmlformats.org/drawingml/2006/main" xmlns:r="http://schemas.openxmlformats.org/officeDocument/2006/relationships" xmlns:p="http://schemas.openxmlformats.org/presentationml/2006/main">
+  <p:cSld>
+    <p:spTree>
+      <p:nvGrpSpPr>
+        <p:cNvPr id="1" name=""/>
+        <p:cNvGrpSpPr/>
+        <p:nvPr/>
+      </p:nvGrpSpPr>
+      <p:grpSpPr>
+        <a:xfrm>
+          <a:off x="0" y="0"/>
+          <a:ext cx="0" cy="0"/>
+          <a:chOff x="0" y="0"/>
+          <a:chExt cx="0" cy="0"/>
+        </a:xfrm>
+      </p:grpSpPr>
+      <p:sp>
+        <p:nvSpPr>
+          <p:cNvPr id="2" name="Title 1"/>
+          <p:cNvSpPr>
+            <a:spLocks noGrp="1"/>
+          </p:cNvSpPr>
+          <p:nvPr>
+            <p:ph type="title"/>
+          </p:nvPr>
+        </p:nvSpPr>
+        <p:spPr/>
+        <p:txBody>
+          <a:bodyPr/>
+          <a:lstStyle/>
+          <a:p>
+            <a:r>
+              <a:rPr lang="de-DE" dirty="0" smtClean="0"/>
+              <a:t>Request Multiplexing</a:t>
+            </a:r>
+            <a:endParaRPr lang="de-DE" dirty="0"/>
+          </a:p>
+        </p:txBody>
+      </p:sp>
+      <p:sp>
+        <p:nvSpPr>
+          <p:cNvPr id="3" name="Content Placeholder 2"/>
+          <p:cNvSpPr>
+            <a:spLocks noGrp="1"/>
+          </p:cNvSpPr>
+          <p:nvPr>
+            <p:ph idx="1"/>
+          </p:nvPr>
+        </p:nvSpPr>
+        <p:spPr/>
+        <p:txBody>
+          <a:bodyPr/>
+          <a:lstStyle/>
+          <a:p>
+            <a:r>
+              <a:rPr lang="de-DE" dirty="0" smtClean="0"/>
+              <a:t>Gleicher Host: </a:t>
+            </a:r>
+            <a:r>
+              <a:rPr lang="de-DE" dirty="0" err="1" smtClean="0"/>
+              <a:t>Seperate</a:t>
+            </a:r>
+            <a:r>
+              <a:rPr lang="de-DE" dirty="0" smtClean="0"/>
+              <a:t> Ströme in einer SPDY(&amp; TCP)-Verbindung</a:t>
+            </a:r>
+          </a:p>
+          <a:p>
+            <a:pPr lvl="1"/>
+            <a:r>
+              <a:rPr lang="de-DE" dirty="0" smtClean="0"/>
+              <a:t>TCP Flusskontrolle wieder effektiv</a:t>
+            </a:r>
+          </a:p>
+          <a:p>
+            <a:pPr lvl="1"/>
+            <a:r>
+              <a:rPr lang="de-DE" dirty="0" smtClean="0"/>
+              <a:t>Mehr „volle“ Pakete/</a:t>
+            </a:r>
+            <a:r>
+              <a:rPr lang="de-DE" dirty="0" err="1" smtClean="0"/>
+              <a:t>Ethernetframes</a:t>
+            </a:r>
+            <a:endParaRPr lang="de-DE" dirty="0" smtClean="0"/>
+          </a:p>
+          <a:p>
+            <a:endParaRPr lang="de-DE" dirty="0"/>
+          </a:p>
+        </p:txBody>
+      </p:sp>
+    </p:spTree>
+    <p:extLst>
+      <p:ext uri="{BB962C8B-B14F-4D97-AF65-F5344CB8AC3E}">
+        <p14:creationId xmlns:p14="http://schemas.microsoft.com/office/powerpoint/2010/main" val="738394628"/>
+      </p:ext>
+    </p:extLst>
+  </p:cSld>
+  <p:clrMapOvr>
+    <a:masterClrMapping/>
+  </p:clrMapOvr>
+  <p:timing>
+    <p:tnLst>
+      <p:par>
+        <p:cTn id="1" dur="indefinite" restart="never" nodeType="tmRoot"/>
+      </p:par>
+    </p:tnLst>
+  </p:timing>
+</p:sld>
+</file>
+
+<file path=ppt/slides/slide9.xml><?xml version="1.0" encoding="utf-8"?>
+<p:sld xmlns:a="http://schemas.openxmlformats.org/drawingml/2006/main" xmlns:r="http://schemas.openxmlformats.org/officeDocument/2006/relationships" xmlns:p="http://schemas.openxmlformats.org/presentationml/2006/main">
+  <p:cSld>
+    <p:spTree>
+      <p:nvGrpSpPr>
+        <p:cNvPr id="1" name=""/>
+        <p:cNvGrpSpPr/>
+        <p:nvPr/>
+      </p:nvGrpSpPr>
+      <p:grpSpPr>
+        <a:xfrm>
+          <a:off x="0" y="0"/>
+          <a:ext cx="0" cy="0"/>
+          <a:chOff x="0" y="0"/>
+          <a:chExt cx="0" cy="0"/>
+        </a:xfrm>
+      </p:grpSpPr>
+      <p:sp>
+        <p:nvSpPr>
+          <p:cNvPr id="2" name="Title 1"/>
+          <p:cNvSpPr>
+            <a:spLocks noGrp="1"/>
+          </p:cNvSpPr>
+          <p:nvPr>
+            <p:ph type="title"/>
+          </p:nvPr>
+        </p:nvSpPr>
+        <p:spPr/>
+        <p:txBody>
+          <a:bodyPr/>
+          <a:lstStyle/>
+          <a:p>
+            <a:r>
+              <a:rPr lang="de-DE" dirty="0" smtClean="0"/>
+              <a:t>Unterschiede zu HTTP </a:t>
+            </a:r>
+            <a:r>
+              <a:rPr lang="de-DE" dirty="0" err="1" smtClean="0"/>
+              <a:t>Pipelining</a:t>
+            </a:r>
+            <a:r>
+              <a:rPr lang="de-DE" dirty="0" smtClean="0"/>
+              <a:t> (TODO </a:t>
+            </a:r>
+            <a:r>
+              <a:rPr lang="de-DE" dirty="0" err="1" smtClean="0"/>
+              <a:t>Figure</a:t>
+            </a:r>
+            <a:r>
+              <a:rPr lang="de-DE" dirty="0" smtClean="0"/>
+              <a:t> 5, …)</a:t>
+            </a:r>
+            <a:endParaRPr lang="de-DE" dirty="0"/>
+          </a:p>
+        </p:txBody>
+      </p:sp>
+      <p:sp>
+        <p:nvSpPr>
+          <p:cNvPr id="3" name="Content Placeholder 2"/>
+          <p:cNvSpPr>
+            <a:spLocks noGrp="1"/>
+          </p:cNvSpPr>
+          <p:nvPr>
+            <p:ph idx="1"/>
+          </p:nvPr>
+        </p:nvSpPr>
+        <p:spPr/>
+        <p:txBody>
+          <a:bodyPr/>
+          <a:lstStyle/>
+          <a:p>
+            <a:endParaRPr lang="de-DE"/>
+          </a:p>
+        </p:txBody>
+      </p:sp>
+    </p:spTree>
+    <p:extLst>
+      <p:ext uri="{BB962C8B-B14F-4D97-AF65-F5344CB8AC3E}">
+        <p14:creationId xmlns:p14="http://schemas.microsoft.com/office/powerpoint/2010/main" val="1165788133"/>
+      </p:ext>
+    </p:extLst>
+  </p:cSld>
+  <p:clrMapOvr>
+    <a:masterClrMapping/>
+  </p:clrMapOvr>
+  <p:timing>
+    <p:tnLst>
+      <p:par>
+        <p:cTn id="1" dur="indefinite" restart="never" nodeType="tmRoot"/>
+      </p:par>
+    </p:tnLst>
+  </p:timing>
 </p:sld>
 </file>
 

--- a/research/Präsentation.pptx
+++ b/research/Präsentation.pptx
@@ -6873,11 +6873,7 @@
           <a:p>
             <a:r>
               <a:rPr lang="de-DE" dirty="0" smtClean="0"/>
-              <a:t>Alex </a:t>
-            </a:r>
-            <a:r>
-              <a:rPr lang="de-DE" dirty="0" smtClean="0"/>
-              <a:t>Laitenberger</a:t>
+              <a:t>Alex Laitenberger</a:t>
             </a:r>
             <a:endParaRPr lang="en-GB" dirty="0"/>
           </a:p>
@@ -7151,38 +7147,59 @@
             <p:ph type="title"/>
           </p:nvPr>
         </p:nvSpPr>
-        <p:spPr/>
-        <p:txBody>
-          <a:bodyPr/>
+        <p:spPr>
+          <a:xfrm>
+            <a:off x="1509024" y="0"/>
+            <a:ext cx="10018713" cy="708454"/>
+          </a:xfrm>
+        </p:spPr>
+        <p:txBody>
+          <a:bodyPr>
+            <a:normAutofit/>
+          </a:bodyPr>
           <a:lstStyle/>
           <a:p>
             <a:r>
               <a:rPr lang="de-DE" dirty="0" smtClean="0"/>
-              <a:t>SPDY Gateway (TODO Diagramm)</a:t>
+              <a:t>SPDY </a:t>
+            </a:r>
+            <a:r>
+              <a:rPr lang="de-DE" dirty="0" smtClean="0"/>
+              <a:t>Gateway</a:t>
             </a:r>
             <a:endParaRPr lang="de-DE" dirty="0"/>
           </a:p>
         </p:txBody>
       </p:sp>
-      <p:sp>
-        <p:nvSpPr>
-          <p:cNvPr id="3" name="Content Placeholder 2"/>
-          <p:cNvSpPr>
-            <a:spLocks noGrp="1"/>
-          </p:cNvSpPr>
+      <p:pic>
+        <p:nvPicPr>
+          <p:cNvPr id="4" name="Content Placeholder 3"/>
+          <p:cNvPicPr>
+            <a:picLocks noGrp="1" noChangeAspect="1"/>
+          </p:cNvPicPr>
           <p:nvPr>
             <p:ph idx="1"/>
           </p:nvPr>
-        </p:nvSpPr>
-        <p:spPr/>
-        <p:txBody>
-          <a:bodyPr/>
-          <a:lstStyle/>
-          <a:p>
-            <a:endParaRPr lang="de-DE"/>
-          </a:p>
-        </p:txBody>
-      </p:sp>
+        </p:nvPicPr>
+        <p:blipFill>
+          <a:blip r:embed="rId2">
+            <a:extLst>
+              <a:ext uri="{28A0092B-C50C-407E-A947-70E740481C1C}">
+                <a14:useLocalDpi xmlns:a14="http://schemas.microsoft.com/office/drawing/2010/main" val="0"/>
+              </a:ext>
+            </a:extLst>
+          </a:blip>
+          <a:stretch>
+            <a:fillRect/>
+          </a:stretch>
+        </p:blipFill>
+        <p:spPr>
+          <a:xfrm>
+            <a:off x="2007546" y="708454"/>
+            <a:ext cx="10050143" cy="6084888"/>
+          </a:xfrm>
+        </p:spPr>
+      </p:pic>
     </p:spTree>
     <p:extLst>
       <p:ext uri="{BB962C8B-B14F-4D97-AF65-F5344CB8AC3E}">
@@ -7514,31 +7531,7 @@
           <a:p>
             <a:r>
               <a:rPr lang="de-DE" dirty="0" smtClean="0"/>
-              <a:t>SPDYing</a:t>
-            </a:r>
-            <a:r>
-              <a:rPr lang="de-DE" dirty="0" smtClean="0"/>
-              <a:t> </a:t>
-            </a:r>
-            <a:r>
-              <a:rPr lang="de-DE" dirty="0" smtClean="0"/>
-              <a:t>Up</a:t>
-            </a:r>
-            <a:r>
-              <a:rPr lang="de-DE" dirty="0" smtClean="0"/>
-              <a:t> </a:t>
-            </a:r>
-            <a:r>
-              <a:rPr lang="de-DE" dirty="0" smtClean="0"/>
-              <a:t>the</a:t>
-            </a:r>
-            <a:r>
-              <a:rPr lang="de-DE" dirty="0" smtClean="0"/>
-              <a:t> Web, Bryce Thomas, Raja </a:t>
-            </a:r>
-            <a:r>
-              <a:rPr lang="de-DE" dirty="0" smtClean="0"/>
-              <a:t>Jurdak</a:t>
+              <a:t>SPDYing Up the Web, Bryce Thomas, Raja Jurdak</a:t>
             </a:r>
             <a:r>
               <a:rPr lang="de-DE" dirty="0"/>
@@ -7546,35 +7539,7 @@
             </a:r>
             <a:r>
               <a:rPr lang="de-DE" dirty="0" smtClean="0"/>
-              <a:t>&amp; Ian Atkinson, Communications </a:t>
-            </a:r>
-            <a:r>
-              <a:rPr lang="de-DE" dirty="0" smtClean="0"/>
-              <a:t>of</a:t>
-            </a:r>
-            <a:r>
-              <a:rPr lang="de-DE" dirty="0" smtClean="0"/>
-              <a:t> </a:t>
-            </a:r>
-            <a:r>
-              <a:rPr lang="de-DE" dirty="0" smtClean="0"/>
-              <a:t>the</a:t>
-            </a:r>
-            <a:r>
-              <a:rPr lang="de-DE" dirty="0" smtClean="0"/>
-              <a:t> ACM, Volume 55 </a:t>
-            </a:r>
-            <a:r>
-              <a:rPr lang="de-DE" dirty="0" smtClean="0"/>
-              <a:t>Issue</a:t>
-            </a:r>
-            <a:r>
-              <a:rPr lang="de-DE" dirty="0" smtClean="0"/>
-              <a:t> 12, Dezember </a:t>
-            </a:r>
-            <a:r>
-              <a:rPr lang="de-DE" dirty="0" smtClean="0"/>
-              <a:t>2012</a:t>
+              <a:t>&amp; Ian Atkinson, Communications of the ACM, Volume 55 Issue 12, Dezember 2012</a:t>
             </a:r>
           </a:p>
           <a:p>
@@ -7703,53 +7668,41 @@
           <a:p>
             <a:r>
               <a:rPr lang="en-GB" dirty="0" smtClean="0"/>
-              <a:t>Was </a:t>
-            </a:r>
+              <a:t>Was ist SPDY?</a:t>
+            </a:r>
+          </a:p>
+          <a:p>
+            <a:pPr lvl="1"/>
             <a:r>
               <a:rPr lang="en-GB" dirty="0" smtClean="0"/>
-              <a:t>ist</a:t>
+              <a:t>Support</a:t>
+            </a:r>
+          </a:p>
+          <a:p>
+            <a:pPr lvl="1"/>
+            <a:r>
+              <a:rPr lang="en-GB" dirty="0" err="1" smtClean="0"/>
+              <a:t>Ziele</a:t>
+            </a:r>
+            <a:endParaRPr lang="en-GB" dirty="0" smtClean="0"/>
+          </a:p>
+          <a:p>
+            <a:r>
+              <a:rPr lang="en-GB" dirty="0" err="1" smtClean="0"/>
+              <a:t>Zentrale</a:t>
+            </a:r>
+            <a:r>
+              <a:rPr lang="en-GB" dirty="0" smtClean="0"/>
+              <a:t> </a:t>
+            </a:r>
+            <a:r>
+              <a:rPr lang="en-GB" dirty="0" err="1" smtClean="0"/>
+              <a:t>Konzepte</a:t>
             </a:r>
             <a:r>
               <a:rPr lang="en-GB" dirty="0" smtClean="0"/>
               <a:t> SPDY</a:t>
             </a:r>
-            <a:r>
-              <a:rPr lang="en-GB" dirty="0" smtClean="0"/>
-              <a:t>?</a:t>
-            </a:r>
-          </a:p>
-          <a:p>
-            <a:pPr lvl="1"/>
-            <a:r>
-              <a:rPr lang="en-GB" dirty="0" smtClean="0"/>
-              <a:t>Support</a:t>
-            </a:r>
-          </a:p>
-          <a:p>
-            <a:pPr lvl="1"/>
-            <a:r>
-              <a:rPr lang="en-GB" dirty="0" err="1" smtClean="0"/>
-              <a:t>Ziele</a:t>
-            </a:r>
-            <a:endParaRPr lang="en-GB" dirty="0" smtClean="0"/>
-          </a:p>
-          <a:p>
-            <a:r>
-              <a:rPr lang="en-GB" dirty="0" err="1" smtClean="0"/>
-              <a:t>Zentrale</a:t>
-            </a:r>
-            <a:r>
-              <a:rPr lang="en-GB" dirty="0" smtClean="0"/>
-              <a:t> </a:t>
-            </a:r>
-            <a:r>
-              <a:rPr lang="en-GB" dirty="0" err="1" smtClean="0"/>
-              <a:t>Konzepte</a:t>
-            </a:r>
-            <a:r>
-              <a:rPr lang="en-GB" dirty="0" smtClean="0"/>
-              <a:t> SPDY</a:t>
-            </a:r>
           </a:p>
           <a:p>
             <a:pPr lvl="1"/>
@@ -7771,14 +7724,12 @@
               <a:rPr lang="en-GB" dirty="0" smtClean="0"/>
               <a:t>Gateways</a:t>
             </a:r>
-            <a:endParaRPr lang="en-GB" dirty="0" smtClean="0"/>
           </a:p>
           <a:p>
             <a:r>
               <a:rPr lang="en-GB" dirty="0" smtClean="0"/>
               <a:t>Security</a:t>
             </a:r>
-            <a:endParaRPr lang="en-GB" dirty="0" smtClean="0"/>
           </a:p>
         </p:txBody>
       </p:sp>
@@ -8046,23 +7997,7 @@
             <a:pPr lvl="1"/>
             <a:r>
               <a:rPr lang="de-DE" dirty="0" smtClean="0"/>
-              <a:t>Apache, </a:t>
-            </a:r>
-            <a:r>
-              <a:rPr lang="de-DE" dirty="0" smtClean="0"/>
-              <a:t>Nginx</a:t>
-            </a:r>
-            <a:r>
-              <a:rPr lang="de-DE" dirty="0" smtClean="0"/>
-              <a:t>, Node.js, Ruby, Python, </a:t>
-            </a:r>
-            <a:r>
-              <a:rPr lang="de-DE" dirty="0" smtClean="0"/>
-              <a:t>Jetty</a:t>
-            </a:r>
-            <a:r>
-              <a:rPr lang="de-DE" dirty="0" smtClean="0"/>
-              <a:t>, Go, Erlang, …</a:t>
+              <a:t>Apache, Nginx, Node.js, Ruby, Python, Jetty, Go, Erlang, …</a:t>
             </a:r>
           </a:p>
           <a:p>

--- a/research/Präsentation.pptx
+++ b/research/Präsentation.pptx
@@ -19,7 +19,8 @@
     <p:sldId id="266" r:id="rId13"/>
     <p:sldId id="270" r:id="rId14"/>
     <p:sldId id="264" r:id="rId15"/>
-    <p:sldId id="258" r:id="rId16"/>
+    <p:sldId id="271" r:id="rId16"/>
+    <p:sldId id="258" r:id="rId17"/>
   </p:sldIdLst>
   <p:sldSz cx="12192000" cy="6858000"/>
   <p:notesSz cx="6858000" cy="9144000"/>
@@ -642,7 +643,7 @@
             <a:fld id="{B61BEF0D-F0BB-DE4B-95CE-6DB70DBA9567}" type="datetimeFigureOut">
               <a:rPr lang="en-US" dirty="0"/>
               <a:pPr/>
-              <a:t>5/17/2015</a:t>
+              <a:t>5/21/2015</a:t>
             </a:fld>
             <a:endParaRPr lang="en-US" dirty="0"/>
           </a:p>
@@ -972,7 +973,7 @@
             <a:fld id="{B61BEF0D-F0BB-DE4B-95CE-6DB70DBA9567}" type="datetimeFigureOut">
               <a:rPr lang="en-US" dirty="0"/>
               <a:pPr/>
-              <a:t>5/17/2015</a:t>
+              <a:t>5/21/2015</a:t>
             </a:fld>
             <a:endParaRPr lang="en-US" dirty="0"/>
           </a:p>
@@ -1254,7 +1255,7 @@
             <a:fld id="{B61BEF0D-F0BB-DE4B-95CE-6DB70DBA9567}" type="datetimeFigureOut">
               <a:rPr lang="en-US" dirty="0"/>
               <a:pPr/>
-              <a:t>5/17/2015</a:t>
+              <a:t>5/21/2015</a:t>
             </a:fld>
             <a:endParaRPr lang="en-US" dirty="0"/>
           </a:p>
@@ -1828,7 +1829,7 @@
             <a:fld id="{B61BEF0D-F0BB-DE4B-95CE-6DB70DBA9567}" type="datetimeFigureOut">
               <a:rPr lang="en-US" dirty="0"/>
               <a:pPr/>
-              <a:t>5/17/2015</a:t>
+              <a:t>5/21/2015</a:t>
             </a:fld>
             <a:endParaRPr lang="en-US" dirty="0"/>
           </a:p>
@@ -2110,7 +2111,7 @@
             <a:fld id="{B61BEF0D-F0BB-DE4B-95CE-6DB70DBA9567}" type="datetimeFigureOut">
               <a:rPr lang="en-US" dirty="0"/>
               <a:pPr/>
-              <a:t>5/17/2015</a:t>
+              <a:t>5/21/2015</a:t>
             </a:fld>
             <a:endParaRPr lang="en-US" dirty="0"/>
           </a:p>
@@ -2676,7 +2677,7 @@
             <a:fld id="{B61BEF0D-F0BB-DE4B-95CE-6DB70DBA9567}" type="datetimeFigureOut">
               <a:rPr lang="en-US" dirty="0"/>
               <a:pPr/>
-              <a:t>5/17/2015</a:t>
+              <a:t>5/21/2015</a:t>
             </a:fld>
             <a:endParaRPr lang="en-US" dirty="0"/>
           </a:p>
@@ -3007,7 +3008,7 @@
             <a:fld id="{B61BEF0D-F0BB-DE4B-95CE-6DB70DBA9567}" type="datetimeFigureOut">
               <a:rPr lang="en-US" dirty="0"/>
               <a:pPr/>
-              <a:t>5/17/2015</a:t>
+              <a:t>5/21/2015</a:t>
             </a:fld>
             <a:endParaRPr lang="en-US" dirty="0"/>
           </a:p>
@@ -3215,7 +3216,7 @@
             <a:fld id="{B61BEF0D-F0BB-DE4B-95CE-6DB70DBA9567}" type="datetimeFigureOut">
               <a:rPr lang="en-US" dirty="0"/>
               <a:pPr/>
-              <a:t>5/17/2015</a:t>
+              <a:t>5/21/2015</a:t>
             </a:fld>
             <a:endParaRPr lang="en-US" dirty="0"/>
           </a:p>
@@ -3429,7 +3430,7 @@
             <a:fld id="{B61BEF0D-F0BB-DE4B-95CE-6DB70DBA9567}" type="datetimeFigureOut">
               <a:rPr lang="en-US" dirty="0"/>
               <a:pPr/>
-              <a:t>5/17/2015</a:t>
+              <a:t>5/21/2015</a:t>
             </a:fld>
             <a:endParaRPr lang="en-US" dirty="0"/>
           </a:p>
@@ -3670,7 +3671,7 @@
             <a:fld id="{B61BEF0D-F0BB-DE4B-95CE-6DB70DBA9567}" type="datetimeFigureOut">
               <a:rPr lang="en-US" dirty="0"/>
               <a:pPr/>
-              <a:t>5/17/2015</a:t>
+              <a:t>5/21/2015</a:t>
             </a:fld>
             <a:endParaRPr lang="en-US" dirty="0"/>
           </a:p>
@@ -3957,7 +3958,7 @@
             <a:fld id="{B61BEF0D-F0BB-DE4B-95CE-6DB70DBA9567}" type="datetimeFigureOut">
               <a:rPr lang="en-US" dirty="0"/>
               <a:pPr/>
-              <a:t>5/17/2015</a:t>
+              <a:t>5/21/2015</a:t>
             </a:fld>
             <a:endParaRPr lang="en-US" dirty="0"/>
           </a:p>
@@ -4294,7 +4295,7 @@
             <a:fld id="{B61BEF0D-F0BB-DE4B-95CE-6DB70DBA9567}" type="datetimeFigureOut">
               <a:rPr lang="en-US" dirty="0"/>
               <a:pPr/>
-              <a:t>5/17/2015</a:t>
+              <a:t>5/21/2015</a:t>
             </a:fld>
             <a:endParaRPr lang="en-US" dirty="0"/>
           </a:p>
@@ -4772,7 +4773,7 @@
             <a:fld id="{B61BEF0D-F0BB-DE4B-95CE-6DB70DBA9567}" type="datetimeFigureOut">
               <a:rPr lang="en-US" dirty="0"/>
               <a:pPr/>
-              <a:t>5/17/2015</a:t>
+              <a:t>5/21/2015</a:t>
             </a:fld>
             <a:endParaRPr lang="en-US" dirty="0"/>
           </a:p>
@@ -4924,7 +4925,7 @@
             <a:fld id="{B61BEF0D-F0BB-DE4B-95CE-6DB70DBA9567}" type="datetimeFigureOut">
               <a:rPr lang="en-US" dirty="0"/>
               <a:pPr/>
-              <a:t>5/17/2015</a:t>
+              <a:t>5/21/2015</a:t>
             </a:fld>
             <a:endParaRPr lang="en-US" dirty="0"/>
           </a:p>
@@ -5053,7 +5054,7 @@
             <a:fld id="{B61BEF0D-F0BB-DE4B-95CE-6DB70DBA9567}" type="datetimeFigureOut">
               <a:rPr lang="en-US" dirty="0"/>
               <a:pPr/>
-              <a:t>5/17/2015</a:t>
+              <a:t>5/21/2015</a:t>
             </a:fld>
             <a:endParaRPr lang="en-US" dirty="0"/>
           </a:p>
@@ -5370,7 +5371,7 @@
             <a:fld id="{B61BEF0D-F0BB-DE4B-95CE-6DB70DBA9567}" type="datetimeFigureOut">
               <a:rPr lang="en-US" dirty="0"/>
               <a:pPr/>
-              <a:t>5/17/2015</a:t>
+              <a:t>5/21/2015</a:t>
             </a:fld>
             <a:endParaRPr lang="en-US" dirty="0"/>
           </a:p>
@@ -5695,7 +5696,7 @@
             <a:fld id="{B61BEF0D-F0BB-DE4B-95CE-6DB70DBA9567}" type="datetimeFigureOut">
               <a:rPr lang="en-US" dirty="0"/>
               <a:pPr/>
-              <a:t>5/17/2015</a:t>
+              <a:t>5/21/2015</a:t>
             </a:fld>
             <a:endParaRPr lang="en-US" dirty="0"/>
           </a:p>
@@ -6259,7 +6260,7 @@
             <a:fld id="{B61BEF0D-F0BB-DE4B-95CE-6DB70DBA9567}" type="datetimeFigureOut">
               <a:rPr lang="en-US" dirty="0"/>
               <a:pPr/>
-              <a:t>5/17/2015</a:t>
+              <a:t>5/21/2015</a:t>
             </a:fld>
             <a:endParaRPr lang="en-US" dirty="0"/>
           </a:p>
@@ -7161,11 +7162,7 @@
           <a:p>
             <a:r>
               <a:rPr lang="de-DE" dirty="0" smtClean="0"/>
-              <a:t>SPDY </a:t>
-            </a:r>
-            <a:r>
-              <a:rPr lang="de-DE" dirty="0" smtClean="0"/>
-              <a:t>Gateway</a:t>
+              <a:t>SPDY Gateway</a:t>
             </a:r>
             <a:endParaRPr lang="de-DE" dirty="0"/>
           </a:p>
@@ -7254,15 +7251,11 @@
           <a:p>
             <a:r>
               <a:rPr lang="de-DE" dirty="0" smtClean="0"/>
-              <a:t>SPDY Gateway (TODO detaillierte </a:t>
-            </a:r>
-            <a:r>
-              <a:rPr lang="de-DE" dirty="0"/>
-              <a:t>Erklärung Funktionsweise &amp; </a:t>
-            </a:r>
-            <a:r>
-              <a:rPr lang="de-DE" dirty="0" smtClean="0"/>
-              <a:t>Vorteile)</a:t>
+              <a:t>SPDY </a:t>
+            </a:r>
+            <a:r>
+              <a:rPr lang="de-DE" dirty="0" smtClean="0"/>
+              <a:t>Gateway</a:t>
             </a:r>
             <a:endParaRPr lang="de-DE" dirty="0"/>
           </a:p>
@@ -7287,7 +7280,11 @@
           <a:p>
             <a:r>
               <a:rPr lang="de-DE" dirty="0" smtClean="0"/>
-              <a:t>Weiter Vorteile:</a:t>
+              <a:t>Vorteile</a:t>
+            </a:r>
+            <a:r>
+              <a:rPr lang="de-DE" dirty="0" smtClean="0"/>
+              <a:t>:</a:t>
             </a:r>
           </a:p>
           <a:p>
@@ -7448,7 +7445,17 @@
             </a:r>
             <a:r>
               <a:rPr lang="de-DE" dirty="0" smtClean="0"/>
-              <a:t> Initiative zur vollständigen Verschlüsselung</a:t>
+              <a:t> Initiative zur vollständigen </a:t>
+            </a:r>
+            <a:r>
+              <a:rPr lang="de-DE" dirty="0" smtClean="0"/>
+              <a:t>Verschlüsselung</a:t>
+            </a:r>
+          </a:p>
+          <a:p>
+            <a:r>
+              <a:rPr lang="de-DE" dirty="0" smtClean="0"/>
+              <a:t>Gateways: Teilweise Verschlüsselung sonst unverschlüsselter Verbindungen</a:t>
             </a:r>
             <a:endParaRPr lang="de-DE" dirty="0"/>
           </a:p>
@@ -7508,6 +7515,138 @@
           <a:p>
             <a:r>
               <a:rPr lang="de-DE" dirty="0" smtClean="0"/>
+              <a:t>Resultate</a:t>
+            </a:r>
+            <a:endParaRPr lang="de-DE" dirty="0"/>
+          </a:p>
+        </p:txBody>
+      </p:sp>
+      <p:sp>
+        <p:nvSpPr>
+          <p:cNvPr id="3" name="Content Placeholder 2"/>
+          <p:cNvSpPr>
+            <a:spLocks noGrp="1"/>
+          </p:cNvSpPr>
+          <p:nvPr>
+            <p:ph idx="1"/>
+          </p:nvPr>
+        </p:nvSpPr>
+        <p:spPr/>
+        <p:txBody>
+          <a:bodyPr>
+            <a:normAutofit lnSpcReduction="10000"/>
+          </a:bodyPr>
+          <a:lstStyle/>
+          <a:p>
+            <a:r>
+              <a:rPr lang="de-DE" dirty="0" smtClean="0"/>
+              <a:t>Verbesserungen (Durchschnitt aller Google Seiten &amp; Dienste)</a:t>
+            </a:r>
+          </a:p>
+          <a:p>
+            <a:pPr lvl="1"/>
+            <a:r>
+              <a:rPr lang="de-DE" dirty="0" smtClean="0"/>
+              <a:t>~ 50 % geringerer Upload</a:t>
+            </a:r>
+          </a:p>
+          <a:p>
+            <a:pPr lvl="1"/>
+            <a:r>
+              <a:rPr lang="de-DE" dirty="0" smtClean="0"/>
+              <a:t>~ 20 % weniger Pakete</a:t>
+            </a:r>
+          </a:p>
+          <a:p>
+            <a:pPr lvl="1"/>
+            <a:r>
+              <a:rPr lang="de-DE" dirty="0" smtClean="0"/>
+              <a:t>~ 4 % geringerer Download</a:t>
+            </a:r>
+          </a:p>
+          <a:p>
+            <a:pPr lvl="1"/>
+            <a:r>
+              <a:rPr lang="de-DE" dirty="0" smtClean="0"/>
+              <a:t>&gt; 10 % geringere Latenz</a:t>
+            </a:r>
+          </a:p>
+          <a:p>
+            <a:pPr lvl="2"/>
+            <a:r>
+              <a:rPr lang="de-DE" dirty="0" smtClean="0"/>
+              <a:t>Sehr unterschiedlich je nach Situation</a:t>
+            </a:r>
+          </a:p>
+          <a:p>
+            <a:r>
+              <a:rPr lang="de-DE" dirty="0" smtClean="0"/>
+              <a:t>Nicht verändert</a:t>
+            </a:r>
+          </a:p>
+          <a:p>
+            <a:pPr lvl="1"/>
+            <a:r>
+              <a:rPr lang="de-DE" dirty="0" smtClean="0"/>
+              <a:t>Transportprotokoll (QUIC)</a:t>
+            </a:r>
+          </a:p>
+          <a:p>
+            <a:pPr lvl="1"/>
+            <a:r>
+              <a:rPr lang="de-DE" dirty="0" smtClean="0"/>
+              <a:t>TLS</a:t>
+            </a:r>
+          </a:p>
+        </p:txBody>
+      </p:sp>
+    </p:spTree>
+    <p:extLst>
+      <p:ext uri="{BB962C8B-B14F-4D97-AF65-F5344CB8AC3E}">
+        <p14:creationId xmlns:p14="http://schemas.microsoft.com/office/powerpoint/2010/main" val="2898897039"/>
+      </p:ext>
+    </p:extLst>
+  </p:cSld>
+  <p:clrMapOvr>
+    <a:masterClrMapping/>
+  </p:clrMapOvr>
+</p:sld>
+</file>
+
+<file path=ppt/slides/slide16.xml><?xml version="1.0" encoding="utf-8"?>
+<p:sld xmlns:a="http://schemas.openxmlformats.org/drawingml/2006/main" xmlns:r="http://schemas.openxmlformats.org/officeDocument/2006/relationships" xmlns:p="http://schemas.openxmlformats.org/presentationml/2006/main">
+  <p:cSld>
+    <p:spTree>
+      <p:nvGrpSpPr>
+        <p:cNvPr id="1" name=""/>
+        <p:cNvGrpSpPr/>
+        <p:nvPr/>
+      </p:nvGrpSpPr>
+      <p:grpSpPr>
+        <a:xfrm>
+          <a:off x="0" y="0"/>
+          <a:ext cx="0" cy="0"/>
+          <a:chOff x="0" y="0"/>
+          <a:chExt cx="0" cy="0"/>
+        </a:xfrm>
+      </p:grpSpPr>
+      <p:sp>
+        <p:nvSpPr>
+          <p:cNvPr id="2" name="Title 1"/>
+          <p:cNvSpPr>
+            <a:spLocks noGrp="1"/>
+          </p:cNvSpPr>
+          <p:nvPr>
+            <p:ph type="title"/>
+          </p:nvPr>
+        </p:nvSpPr>
+        <p:spPr/>
+        <p:txBody>
+          <a:bodyPr/>
+          <a:lstStyle/>
+          <a:p>
+            <a:r>
+              <a:rPr lang="de-DE" dirty="0" smtClean="0"/>
               <a:t>Quellen</a:t>
             </a:r>
             <a:endParaRPr lang="de-DE" dirty="0"/>
@@ -7661,7 +7800,12 @@
             <p:ph idx="1"/>
           </p:nvPr>
         </p:nvSpPr>
-        <p:spPr/>
+        <p:spPr>
+          <a:xfrm>
+            <a:off x="2269671" y="2273643"/>
+            <a:ext cx="9233352" cy="4421071"/>
+          </a:xfrm>
+        </p:spPr>
         <p:txBody>
           <a:bodyPr/>
           <a:lstStyle/>
@@ -7722,14 +7866,22 @@
             <a:pPr lvl="1"/>
             <a:r>
               <a:rPr lang="en-GB" dirty="0" smtClean="0"/>
-              <a:t>Gateways</a:t>
-            </a:r>
+              <a:t>Gateway</a:t>
+            </a:r>
+            <a:endParaRPr lang="en-GB" dirty="0" smtClean="0"/>
           </a:p>
           <a:p>
             <a:r>
               <a:rPr lang="en-GB" dirty="0" smtClean="0"/>
               <a:t>Security</a:t>
             </a:r>
+          </a:p>
+          <a:p>
+            <a:r>
+              <a:rPr lang="en-GB" dirty="0" err="1" smtClean="0"/>
+              <a:t>Resultate</a:t>
+            </a:r>
+            <a:endParaRPr lang="en-GB" dirty="0" smtClean="0"/>
           </a:p>
         </p:txBody>
       </p:sp>
@@ -7810,7 +7962,11 @@
           <a:p>
             <a:r>
               <a:rPr lang="de-DE" dirty="0" smtClean="0"/>
-              <a:t>Entwickelt von Google 2010 // TODO Datum korrekt?</a:t>
+              <a:t>Entwickelt von Google </a:t>
+            </a:r>
+            <a:r>
+              <a:rPr lang="de-DE" dirty="0" smtClean="0"/>
+              <a:t>2009</a:t>
             </a:r>
           </a:p>
           <a:p>
@@ -7827,13 +7983,10 @@
               <a:t> </a:t>
             </a:r>
             <a:r>
-              <a:rPr lang="de-DE" dirty="0" err="1" smtClean="0"/>
-              <a:t>for</a:t>
-            </a:r>
-            <a:r>
-              <a:rPr lang="de-DE" dirty="0" smtClean="0"/>
-              <a:t> HTTP // TODO Deutsch?</a:t>
-            </a:r>
+              <a:rPr lang="de-DE" dirty="0" smtClean="0"/>
+              <a:t>für HTTP</a:t>
+            </a:r>
+            <a:endParaRPr lang="de-DE" dirty="0" smtClean="0"/>
           </a:p>
           <a:p>
             <a:r>
@@ -7860,8 +8013,20 @@
             <a:pPr lvl="1"/>
             <a:r>
               <a:rPr lang="de-DE" dirty="0" smtClean="0"/>
-              <a:t>Testen &amp; Entwickeln von Konzepten</a:t>
-            </a:r>
+              <a:t>Testen &amp; Entwickeln von </a:t>
+            </a:r>
+            <a:r>
+              <a:rPr lang="de-DE" dirty="0" smtClean="0"/>
+              <a:t>Konzepten</a:t>
+            </a:r>
+          </a:p>
+          <a:p>
+            <a:pPr lvl="1"/>
+            <a:r>
+              <a:rPr lang="de-DE" dirty="0" smtClean="0"/>
+              <a:t>Tests sehr erfolgreich -&gt; Produktiver Einsatz</a:t>
+            </a:r>
+            <a:endParaRPr lang="de-DE" dirty="0" smtClean="0"/>
           </a:p>
           <a:p>
             <a:pPr lvl="1"/>
@@ -7882,7 +8047,7 @@
             </a:r>
           </a:p>
           <a:p>
-            <a:endParaRPr lang="de-DE" dirty="0"/>
+            <a:endParaRPr lang="de-DE" dirty="0" smtClean="0"/>
           </a:p>
         </p:txBody>
       </p:sp>
@@ -8150,8 +8315,20 @@
           <a:p>
             <a:r>
               <a:rPr lang="de-DE" dirty="0" smtClean="0"/>
-              <a:t>Anpassung an Veränderungen des Webs</a:t>
-            </a:r>
+              <a:t>Anpassung an Veränderungen des </a:t>
+            </a:r>
+            <a:r>
+              <a:rPr lang="de-DE" dirty="0" smtClean="0"/>
+              <a:t>Webs</a:t>
+            </a:r>
+          </a:p>
+          <a:p>
+            <a:pPr lvl="1"/>
+            <a:r>
+              <a:rPr lang="de-DE" dirty="0" smtClean="0"/>
+              <a:t>HTTP 1.1: 1999</a:t>
+            </a:r>
+            <a:endParaRPr lang="de-DE" dirty="0" smtClean="0"/>
           </a:p>
           <a:p>
             <a:r>
@@ -8391,7 +8568,9 @@
         </p:nvSpPr>
         <p:spPr/>
         <p:txBody>
-          <a:bodyPr/>
+          <a:bodyPr>
+            <a:normAutofit/>
+          </a:bodyPr>
           <a:lstStyle/>
           <a:p>
             <a:r>
@@ -8410,8 +8589,24 @@
             <a:pPr lvl="1"/>
             <a:r>
               <a:rPr lang="de-DE" dirty="0" smtClean="0"/>
-              <a:t>Jede TCP-Verbindung macht 3-Way-Handshake &amp; Slow-Start durch und versucht Bandbreite zu regulieren</a:t>
-            </a:r>
+              <a:t>Jede TCP-Verbindung macht 3-Way-Handshake &amp; Slow-Start durch und versucht Bandbreite zu </a:t>
+            </a:r>
+            <a:r>
+              <a:rPr lang="de-DE" dirty="0" smtClean="0"/>
+              <a:t>regulieren</a:t>
+            </a:r>
+          </a:p>
+          <a:p>
+            <a:pPr lvl="2"/>
+            <a:r>
+              <a:rPr lang="de-DE" dirty="0"/>
+              <a:t>HTML: Burstartiger </a:t>
+            </a:r>
+            <a:r>
+              <a:rPr lang="de-DE" dirty="0" smtClean="0"/>
+              <a:t>Traffic</a:t>
+            </a:r>
+            <a:endParaRPr lang="de-DE" dirty="0" smtClean="0"/>
           </a:p>
           <a:p>
             <a:pPr lvl="1"/>
@@ -8428,16 +8623,13 @@
             </a:r>
           </a:p>
           <a:p>
-            <a:pPr lvl="1"/>
-            <a:r>
-              <a:rPr lang="de-DE" dirty="0" smtClean="0"/>
-              <a:t>HTML: Burstartiger Traffic</a:t>
-            </a:r>
-          </a:p>
-          <a:p>
-            <a:r>
-              <a:rPr lang="de-DE" dirty="0" smtClean="0"/>
-              <a:t>SPDY kann mehrere Datenströme in einer Verbindung handhaben</a:t>
+            <a:r>
+              <a:rPr lang="de-DE" dirty="0" smtClean="0"/>
+              <a:t>SPDY </a:t>
+            </a:r>
+            <a:r>
+              <a:rPr lang="de-DE" dirty="0" smtClean="0"/>
+              <a:t>kann mehrere Datenströme in einer Verbindung handhaben</a:t>
             </a:r>
             <a:endParaRPr lang="de-DE" dirty="0"/>
           </a:p>
@@ -8523,26 +8715,53 @@
               <a:t>Gleicher Host: </a:t>
             </a:r>
             <a:r>
+              <a:rPr lang="de-DE" dirty="0" smtClean="0"/>
+              <a:t>Separate </a:t>
+            </a:r>
+            <a:r>
+              <a:rPr lang="de-DE" dirty="0" smtClean="0"/>
+              <a:t>Ströme in einer SPDY(&amp; TCP)-Verbindung</a:t>
+            </a:r>
+          </a:p>
+          <a:p>
+            <a:pPr lvl="1"/>
+            <a:r>
+              <a:rPr lang="de-DE" dirty="0" smtClean="0"/>
+              <a:t>TCP Flusskontrolle wieder </a:t>
+            </a:r>
+            <a:r>
+              <a:rPr lang="de-DE" dirty="0" smtClean="0"/>
+              <a:t>effektiv</a:t>
+            </a:r>
+          </a:p>
+          <a:p>
+            <a:pPr lvl="2"/>
+            <a:r>
+              <a:rPr lang="de-DE" dirty="0" smtClean="0"/>
+              <a:t>Bessere Ausnutzung der Bandbreite</a:t>
+            </a:r>
+          </a:p>
+          <a:p>
+            <a:pPr lvl="2"/>
+            <a:r>
+              <a:rPr lang="de-DE" dirty="0" smtClean="0"/>
+              <a:t>Geringe Anzahl von </a:t>
+            </a:r>
+            <a:r>
               <a:rPr lang="de-DE" dirty="0" err="1" smtClean="0"/>
-              <a:t>Seperate</a:t>
-            </a:r>
-            <a:r>
-              <a:rPr lang="de-DE" dirty="0" smtClean="0"/>
-              <a:t> Ströme in einer SPDY(&amp; TCP)-Verbindung</a:t>
-            </a:r>
+              <a:t>Retransmissions</a:t>
+            </a:r>
+            <a:endParaRPr lang="de-DE" dirty="0" smtClean="0"/>
           </a:p>
           <a:p>
             <a:pPr lvl="1"/>
             <a:r>
               <a:rPr lang="de-DE" dirty="0" smtClean="0"/>
-              <a:t>TCP Flusskontrolle wieder effektiv</a:t>
-            </a:r>
-          </a:p>
-          <a:p>
-            <a:pPr lvl="1"/>
-            <a:r>
-              <a:rPr lang="de-DE" dirty="0" smtClean="0"/>
-              <a:t>Mehr „volle“ Pakete/</a:t>
+              <a:t>Mehr „volle“ </a:t>
+            </a:r>
+            <a:r>
+              <a:rPr lang="de-DE" dirty="0" smtClean="0"/>
+              <a:t>Pakete/</a:t>
             </a:r>
             <a:r>
               <a:rPr lang="de-DE" dirty="0" err="1" smtClean="0"/>
@@ -8551,7 +8770,19 @@
             <a:endParaRPr lang="de-DE" dirty="0" smtClean="0"/>
           </a:p>
           <a:p>
-            <a:endParaRPr lang="de-DE" dirty="0"/>
+            <a:pPr lvl="2"/>
+            <a:r>
+              <a:rPr lang="de-DE" dirty="0" smtClean="0"/>
+              <a:t>Flüssigerer Datenstrom</a:t>
+            </a:r>
+          </a:p>
+          <a:p>
+            <a:pPr lvl="1"/>
+            <a:r>
+              <a:rPr lang="de-DE" dirty="0" smtClean="0"/>
+              <a:t>Priorisierung von Paketen</a:t>
+            </a:r>
+            <a:endParaRPr lang="de-DE" dirty="0" smtClean="0"/>
           </a:p>
         </p:txBody>
       </p:sp>
@@ -8602,7 +8833,12 @@
             <p:ph type="title"/>
           </p:nvPr>
         </p:nvSpPr>
-        <p:spPr/>
+        <p:spPr>
+          <a:xfrm>
+            <a:off x="1477900" y="-1"/>
+            <a:ext cx="10018713" cy="1260389"/>
+          </a:xfrm>
+        </p:spPr>
         <p:txBody>
           <a:bodyPr/>
           <a:lstStyle/>
@@ -8615,41 +8851,68 @@
               <a:rPr lang="de-DE" dirty="0" err="1" smtClean="0"/>
               <a:t>Pipelining</a:t>
             </a:r>
-            <a:r>
-              <a:rPr lang="de-DE" dirty="0" smtClean="0"/>
-              <a:t> (TODO </a:t>
-            </a:r>
-            <a:r>
-              <a:rPr lang="de-DE" dirty="0" err="1" smtClean="0"/>
-              <a:t>Figure</a:t>
-            </a:r>
-            <a:r>
-              <a:rPr lang="de-DE" dirty="0" smtClean="0"/>
-              <a:t> 5, …)</a:t>
-            </a:r>
             <a:endParaRPr lang="de-DE" dirty="0"/>
           </a:p>
         </p:txBody>
       </p:sp>
-      <p:sp>
-        <p:nvSpPr>
-          <p:cNvPr id="3" name="Content Placeholder 2"/>
-          <p:cNvSpPr>
-            <a:spLocks noGrp="1"/>
-          </p:cNvSpPr>
-          <p:nvPr>
-            <p:ph idx="1"/>
-          </p:nvPr>
-        </p:nvSpPr>
-        <p:spPr/>
-        <p:txBody>
-          <a:bodyPr/>
-          <a:lstStyle/>
-          <a:p>
-            <a:endParaRPr lang="de-DE"/>
-          </a:p>
-        </p:txBody>
-      </p:sp>
+      <p:pic>
+        <p:nvPicPr>
+          <p:cNvPr id="6" name="Content Placeholder 5"/>
+          <p:cNvPicPr>
+            <a:picLocks noGrp="1" noChangeAspect="1"/>
+          </p:cNvPicPr>
+          <p:nvPr>
+            <p:ph sz="half" idx="1"/>
+          </p:nvPr>
+        </p:nvPicPr>
+        <p:blipFill>
+          <a:blip r:embed="rId2">
+            <a:extLst>
+              <a:ext uri="{28A0092B-C50C-407E-A947-70E740481C1C}">
+                <a14:useLocalDpi xmlns:a14="http://schemas.microsoft.com/office/drawing/2010/main" val="0"/>
+              </a:ext>
+            </a:extLst>
+          </a:blip>
+          <a:stretch>
+            <a:fillRect/>
+          </a:stretch>
+        </p:blipFill>
+        <p:spPr>
+          <a:xfrm>
+            <a:off x="1343100" y="1596079"/>
+            <a:ext cx="5686916" cy="4170405"/>
+          </a:xfrm>
+        </p:spPr>
+      </p:pic>
+      <p:pic>
+        <p:nvPicPr>
+          <p:cNvPr id="7" name="Content Placeholder 6"/>
+          <p:cNvPicPr>
+            <a:picLocks noGrp="1" noChangeAspect="1"/>
+          </p:cNvPicPr>
+          <p:nvPr>
+            <p:ph sz="half" idx="2"/>
+          </p:nvPr>
+        </p:nvPicPr>
+        <p:blipFill>
+          <a:blip r:embed="rId3">
+            <a:extLst>
+              <a:ext uri="{28A0092B-C50C-407E-A947-70E740481C1C}">
+                <a14:useLocalDpi xmlns:a14="http://schemas.microsoft.com/office/drawing/2010/main" val="0"/>
+              </a:ext>
+            </a:extLst>
+          </a:blip>
+          <a:stretch>
+            <a:fillRect/>
+          </a:stretch>
+        </p:blipFill>
+        <p:spPr>
+          <a:xfrm>
+            <a:off x="7115434" y="1596080"/>
+            <a:ext cx="5076566" cy="4170405"/>
+          </a:xfrm>
+        </p:spPr>
+      </p:pic>
     </p:spTree>
     <p:extLst>
       <p:ext uri="{BB962C8B-B14F-4D97-AF65-F5344CB8AC3E}">

--- a/research/Präsentation.pptx
+++ b/research/Präsentation.pptx
@@ -20,7 +20,8 @@
     <p:sldId id="270" r:id="rId14"/>
     <p:sldId id="264" r:id="rId15"/>
     <p:sldId id="271" r:id="rId16"/>
-    <p:sldId id="258" r:id="rId17"/>
+    <p:sldId id="272" r:id="rId17"/>
+    <p:sldId id="258" r:id="rId18"/>
   </p:sldIdLst>
   <p:sldSz cx="12192000" cy="6858000"/>
   <p:notesSz cx="6858000" cy="9144000"/>
@@ -643,7 +644,7 @@
             <a:fld id="{B61BEF0D-F0BB-DE4B-95CE-6DB70DBA9567}" type="datetimeFigureOut">
               <a:rPr lang="en-US" dirty="0"/>
               <a:pPr/>
-              <a:t>5/21/2015</a:t>
+              <a:t>5/22/2015</a:t>
             </a:fld>
             <a:endParaRPr lang="en-US" dirty="0"/>
           </a:p>
@@ -973,7 +974,7 @@
             <a:fld id="{B61BEF0D-F0BB-DE4B-95CE-6DB70DBA9567}" type="datetimeFigureOut">
               <a:rPr lang="en-US" dirty="0"/>
               <a:pPr/>
-              <a:t>5/21/2015</a:t>
+              <a:t>5/22/2015</a:t>
             </a:fld>
             <a:endParaRPr lang="en-US" dirty="0"/>
           </a:p>
@@ -1255,7 +1256,7 @@
             <a:fld id="{B61BEF0D-F0BB-DE4B-95CE-6DB70DBA9567}" type="datetimeFigureOut">
               <a:rPr lang="en-US" dirty="0"/>
               <a:pPr/>
-              <a:t>5/21/2015</a:t>
+              <a:t>5/22/2015</a:t>
             </a:fld>
             <a:endParaRPr lang="en-US" dirty="0"/>
           </a:p>
@@ -1829,7 +1830,7 @@
             <a:fld id="{B61BEF0D-F0BB-DE4B-95CE-6DB70DBA9567}" type="datetimeFigureOut">
               <a:rPr lang="en-US" dirty="0"/>
               <a:pPr/>
-              <a:t>5/21/2015</a:t>
+              <a:t>5/22/2015</a:t>
             </a:fld>
             <a:endParaRPr lang="en-US" dirty="0"/>
           </a:p>
@@ -2111,7 +2112,7 @@
             <a:fld id="{B61BEF0D-F0BB-DE4B-95CE-6DB70DBA9567}" type="datetimeFigureOut">
               <a:rPr lang="en-US" dirty="0"/>
               <a:pPr/>
-              <a:t>5/21/2015</a:t>
+              <a:t>5/22/2015</a:t>
             </a:fld>
             <a:endParaRPr lang="en-US" dirty="0"/>
           </a:p>
@@ -2677,7 +2678,7 @@
             <a:fld id="{B61BEF0D-F0BB-DE4B-95CE-6DB70DBA9567}" type="datetimeFigureOut">
               <a:rPr lang="en-US" dirty="0"/>
               <a:pPr/>
-              <a:t>5/21/2015</a:t>
+              <a:t>5/22/2015</a:t>
             </a:fld>
             <a:endParaRPr lang="en-US" dirty="0"/>
           </a:p>
@@ -3008,7 +3009,7 @@
             <a:fld id="{B61BEF0D-F0BB-DE4B-95CE-6DB70DBA9567}" type="datetimeFigureOut">
               <a:rPr lang="en-US" dirty="0"/>
               <a:pPr/>
-              <a:t>5/21/2015</a:t>
+              <a:t>5/22/2015</a:t>
             </a:fld>
             <a:endParaRPr lang="en-US" dirty="0"/>
           </a:p>
@@ -3216,7 +3217,7 @@
             <a:fld id="{B61BEF0D-F0BB-DE4B-95CE-6DB70DBA9567}" type="datetimeFigureOut">
               <a:rPr lang="en-US" dirty="0"/>
               <a:pPr/>
-              <a:t>5/21/2015</a:t>
+              <a:t>5/22/2015</a:t>
             </a:fld>
             <a:endParaRPr lang="en-US" dirty="0"/>
           </a:p>
@@ -3430,7 +3431,7 @@
             <a:fld id="{B61BEF0D-F0BB-DE4B-95CE-6DB70DBA9567}" type="datetimeFigureOut">
               <a:rPr lang="en-US" dirty="0"/>
               <a:pPr/>
-              <a:t>5/21/2015</a:t>
+              <a:t>5/22/2015</a:t>
             </a:fld>
             <a:endParaRPr lang="en-US" dirty="0"/>
           </a:p>
@@ -3671,7 +3672,7 @@
             <a:fld id="{B61BEF0D-F0BB-DE4B-95CE-6DB70DBA9567}" type="datetimeFigureOut">
               <a:rPr lang="en-US" dirty="0"/>
               <a:pPr/>
-              <a:t>5/21/2015</a:t>
+              <a:t>5/22/2015</a:t>
             </a:fld>
             <a:endParaRPr lang="en-US" dirty="0"/>
           </a:p>
@@ -3958,7 +3959,7 @@
             <a:fld id="{B61BEF0D-F0BB-DE4B-95CE-6DB70DBA9567}" type="datetimeFigureOut">
               <a:rPr lang="en-US" dirty="0"/>
               <a:pPr/>
-              <a:t>5/21/2015</a:t>
+              <a:t>5/22/2015</a:t>
             </a:fld>
             <a:endParaRPr lang="en-US" dirty="0"/>
           </a:p>
@@ -4295,7 +4296,7 @@
             <a:fld id="{B61BEF0D-F0BB-DE4B-95CE-6DB70DBA9567}" type="datetimeFigureOut">
               <a:rPr lang="en-US" dirty="0"/>
               <a:pPr/>
-              <a:t>5/21/2015</a:t>
+              <a:t>5/22/2015</a:t>
             </a:fld>
             <a:endParaRPr lang="en-US" dirty="0"/>
           </a:p>
@@ -4773,7 +4774,7 @@
             <a:fld id="{B61BEF0D-F0BB-DE4B-95CE-6DB70DBA9567}" type="datetimeFigureOut">
               <a:rPr lang="en-US" dirty="0"/>
               <a:pPr/>
-              <a:t>5/21/2015</a:t>
+              <a:t>5/22/2015</a:t>
             </a:fld>
             <a:endParaRPr lang="en-US" dirty="0"/>
           </a:p>
@@ -4925,7 +4926,7 @@
             <a:fld id="{B61BEF0D-F0BB-DE4B-95CE-6DB70DBA9567}" type="datetimeFigureOut">
               <a:rPr lang="en-US" dirty="0"/>
               <a:pPr/>
-              <a:t>5/21/2015</a:t>
+              <a:t>5/22/2015</a:t>
             </a:fld>
             <a:endParaRPr lang="en-US" dirty="0"/>
           </a:p>
@@ -5054,7 +5055,7 @@
             <a:fld id="{B61BEF0D-F0BB-DE4B-95CE-6DB70DBA9567}" type="datetimeFigureOut">
               <a:rPr lang="en-US" dirty="0"/>
               <a:pPr/>
-              <a:t>5/21/2015</a:t>
+              <a:t>5/22/2015</a:t>
             </a:fld>
             <a:endParaRPr lang="en-US" dirty="0"/>
           </a:p>
@@ -5371,7 +5372,7 @@
             <a:fld id="{B61BEF0D-F0BB-DE4B-95CE-6DB70DBA9567}" type="datetimeFigureOut">
               <a:rPr lang="en-US" dirty="0"/>
               <a:pPr/>
-              <a:t>5/21/2015</a:t>
+              <a:t>5/22/2015</a:t>
             </a:fld>
             <a:endParaRPr lang="en-US" dirty="0"/>
           </a:p>
@@ -5696,7 +5697,7 @@
             <a:fld id="{B61BEF0D-F0BB-DE4B-95CE-6DB70DBA9567}" type="datetimeFigureOut">
               <a:rPr lang="en-US" dirty="0"/>
               <a:pPr/>
-              <a:t>5/21/2015</a:t>
+              <a:t>5/22/2015</a:t>
             </a:fld>
             <a:endParaRPr lang="en-US" dirty="0"/>
           </a:p>
@@ -6260,7 +6261,7 @@
             <a:fld id="{B61BEF0D-F0BB-DE4B-95CE-6DB70DBA9567}" type="datetimeFigureOut">
               <a:rPr lang="en-US" dirty="0"/>
               <a:pPr/>
-              <a:t>5/21/2015</a:t>
+              <a:t>5/22/2015</a:t>
             </a:fld>
             <a:endParaRPr lang="en-US" dirty="0"/>
           </a:p>
@@ -7251,11 +7252,7 @@
           <a:p>
             <a:r>
               <a:rPr lang="de-DE" dirty="0" smtClean="0"/>
-              <a:t>SPDY </a:t>
-            </a:r>
-            <a:r>
-              <a:rPr lang="de-DE" dirty="0" smtClean="0"/>
-              <a:t>Gateway</a:t>
+              <a:t>SPDY Gateway</a:t>
             </a:r>
             <a:endParaRPr lang="de-DE" dirty="0"/>
           </a:p>
@@ -7280,11 +7277,7 @@
           <a:p>
             <a:r>
               <a:rPr lang="de-DE" dirty="0" smtClean="0"/>
-              <a:t>Vorteile</a:t>
-            </a:r>
-            <a:r>
-              <a:rPr lang="de-DE" dirty="0" smtClean="0"/>
-              <a:t>:</a:t>
+              <a:t>Vorteile:</a:t>
             </a:r>
           </a:p>
           <a:p>
@@ -7418,7 +7411,9 @@
         </p:nvSpPr>
         <p:spPr/>
         <p:txBody>
-          <a:bodyPr/>
+          <a:bodyPr>
+            <a:normAutofit lnSpcReduction="10000"/>
+          </a:bodyPr>
           <a:lstStyle/>
           <a:p>
             <a:r>
@@ -7451,6 +7446,45 @@
               <a:rPr lang="de-DE" dirty="0" smtClean="0"/>
               <a:t>Verschlüsselung</a:t>
             </a:r>
+          </a:p>
+          <a:p>
+            <a:r>
+              <a:rPr lang="de-DE" dirty="0"/>
+              <a:t>Nutzung von SSL zur Verschlüsselung</a:t>
+            </a:r>
+          </a:p>
+          <a:p>
+            <a:pPr lvl="1"/>
+            <a:r>
+              <a:rPr lang="de-DE" dirty="0"/>
+              <a:t>95% Durchlässigkeitsrate bei Firewalls auf Port 443</a:t>
+            </a:r>
+          </a:p>
+          <a:p>
+            <a:pPr lvl="1"/>
+            <a:r>
+              <a:rPr lang="de-DE" dirty="0"/>
+              <a:t>Alte HTTP </a:t>
+            </a:r>
+            <a:r>
+              <a:rPr lang="de-DE" dirty="0" err="1"/>
+              <a:t>Proxies</a:t>
+            </a:r>
+            <a:r>
+              <a:rPr lang="de-DE" dirty="0"/>
+              <a:t> lassen Inhalte über SSL unberührt (upgrade handle)</a:t>
+            </a:r>
+          </a:p>
+          <a:p>
+            <a:r>
+              <a:rPr lang="de-DE" dirty="0"/>
+              <a:t>Performance v. verschlüsseltem SPDY schlägt unverschlüsseltes </a:t>
+            </a:r>
+            <a:r>
+              <a:rPr lang="de-DE" dirty="0" smtClean="0"/>
+              <a:t>HTTP</a:t>
+            </a:r>
+            <a:endParaRPr lang="de-DE" dirty="0" smtClean="0"/>
           </a:p>
           <a:p>
             <a:r>
@@ -7515,7 +7549,7 @@
           <a:p>
             <a:r>
               <a:rPr lang="de-DE" dirty="0" smtClean="0"/>
-              <a:t>Resultate</a:t>
+              <a:t>Fazit</a:t>
             </a:r>
             <a:endParaRPr lang="de-DE" dirty="0"/>
           </a:p>
@@ -7614,6 +7648,122 @@
 </file>
 
 <file path=ppt/slides/slide16.xml><?xml version="1.0" encoding="utf-8"?>
+<p:sld xmlns:a="http://schemas.openxmlformats.org/drawingml/2006/main" xmlns:r="http://schemas.openxmlformats.org/officeDocument/2006/relationships" xmlns:p="http://schemas.openxmlformats.org/presentationml/2006/main">
+  <p:cSld>
+    <p:spTree>
+      <p:nvGrpSpPr>
+        <p:cNvPr id="1" name=""/>
+        <p:cNvGrpSpPr/>
+        <p:nvPr/>
+      </p:nvGrpSpPr>
+      <p:grpSpPr>
+        <a:xfrm>
+          <a:off x="0" y="0"/>
+          <a:ext cx="0" cy="0"/>
+          <a:chOff x="0" y="0"/>
+          <a:chExt cx="0" cy="0"/>
+        </a:xfrm>
+      </p:grpSpPr>
+      <p:sp>
+        <p:nvSpPr>
+          <p:cNvPr id="2" name="Title 1"/>
+          <p:cNvSpPr>
+            <a:spLocks noGrp="1"/>
+          </p:cNvSpPr>
+          <p:nvPr>
+            <p:ph type="title"/>
+          </p:nvPr>
+        </p:nvSpPr>
+        <p:spPr/>
+        <p:txBody>
+          <a:bodyPr/>
+          <a:lstStyle/>
+          <a:p>
+            <a:r>
+              <a:rPr lang="de-DE" dirty="0" smtClean="0"/>
+              <a:t>Fazit</a:t>
+            </a:r>
+            <a:endParaRPr lang="de-DE" dirty="0"/>
+          </a:p>
+        </p:txBody>
+      </p:sp>
+      <p:sp>
+        <p:nvSpPr>
+          <p:cNvPr id="3" name="Content Placeholder 2"/>
+          <p:cNvSpPr>
+            <a:spLocks noGrp="1"/>
+          </p:cNvSpPr>
+          <p:nvPr>
+            <p:ph idx="1"/>
+          </p:nvPr>
+        </p:nvSpPr>
+        <p:spPr>
+          <a:xfrm>
+            <a:off x="1876991" y="2065637"/>
+            <a:ext cx="9233352" cy="4027715"/>
+          </a:xfrm>
+        </p:spPr>
+        <p:txBody>
+          <a:bodyPr/>
+          <a:lstStyle/>
+          <a:p>
+            <a:r>
+              <a:rPr lang="de-DE" dirty="0" smtClean="0"/>
+              <a:t>SPDY = hoch performantes </a:t>
+            </a:r>
+            <a:r>
+              <a:rPr lang="de-DE" dirty="0" err="1" smtClean="0"/>
+              <a:t>Application</a:t>
+            </a:r>
+            <a:r>
+              <a:rPr lang="de-DE" dirty="0" smtClean="0"/>
+              <a:t>-Layer Protokoll mit standardmäßiger Verschlüsselung</a:t>
+            </a:r>
+          </a:p>
+          <a:p>
+            <a:r>
+              <a:rPr lang="de-DE" dirty="0" smtClean="0"/>
+              <a:t>Verbreitung </a:t>
+            </a:r>
+            <a:r>
+              <a:rPr lang="de-DE" dirty="0" smtClean="0"/>
+              <a:t>in Clients schnell, in Servern etwas hinterher</a:t>
+            </a:r>
+          </a:p>
+          <a:p>
+            <a:r>
+              <a:rPr lang="de-DE" dirty="0" smtClean="0"/>
+              <a:t>SPDY-Gateways kompensieren fehlende SPDY Server + viele weitere </a:t>
+            </a:r>
+            <a:r>
+              <a:rPr lang="de-DE" dirty="0" smtClean="0"/>
+              <a:t>Vorteile</a:t>
+            </a:r>
+            <a:endParaRPr lang="de-DE" dirty="0" smtClean="0"/>
+          </a:p>
+        </p:txBody>
+      </p:sp>
+    </p:spTree>
+    <p:extLst>
+      <p:ext uri="{BB962C8B-B14F-4D97-AF65-F5344CB8AC3E}">
+        <p14:creationId xmlns:p14="http://schemas.microsoft.com/office/powerpoint/2010/main" val="905859555"/>
+      </p:ext>
+    </p:extLst>
+  </p:cSld>
+  <p:clrMapOvr>
+    <a:masterClrMapping/>
+  </p:clrMapOvr>
+  <p:timing>
+    <p:tnLst>
+      <p:par>
+        <p:cTn id="1" dur="indefinite" restart="never" nodeType="tmRoot"/>
+      </p:par>
+    </p:tnLst>
+  </p:timing>
+</p:sld>
+</file>
+
+<file path=ppt/slides/slide17.xml><?xml version="1.0" encoding="utf-8"?>
 <p:sld xmlns:a="http://schemas.openxmlformats.org/drawingml/2006/main" xmlns:r="http://schemas.openxmlformats.org/officeDocument/2006/relationships" xmlns:p="http://schemas.openxmlformats.org/presentationml/2006/main">
   <p:cSld>
     <p:spTree>
@@ -7868,7 +8018,6 @@
               <a:rPr lang="en-GB" dirty="0" smtClean="0"/>
               <a:t>Gateway</a:t>
             </a:r>
-            <a:endParaRPr lang="en-GB" dirty="0" smtClean="0"/>
           </a:p>
           <a:p>
             <a:r>
@@ -7878,8 +8027,8 @@
           </a:p>
           <a:p>
             <a:r>
-              <a:rPr lang="en-GB" dirty="0" err="1" smtClean="0"/>
-              <a:t>Resultate</a:t>
+              <a:rPr lang="en-GB" smtClean="0"/>
+              <a:t>Fazit</a:t>
             </a:r>
             <a:endParaRPr lang="en-GB" dirty="0" smtClean="0"/>
           </a:p>
@@ -7962,11 +8111,7 @@
           <a:p>
             <a:r>
               <a:rPr lang="de-DE" dirty="0" smtClean="0"/>
-              <a:t>Entwickelt von Google </a:t>
-            </a:r>
-            <a:r>
-              <a:rPr lang="de-DE" dirty="0" smtClean="0"/>
-              <a:t>2009</a:t>
+              <a:t>Entwickelt von Google 2009</a:t>
             </a:r>
           </a:p>
           <a:p>
@@ -7980,13 +8125,8 @@
             </a:r>
             <a:r>
               <a:rPr lang="de-DE" dirty="0" smtClean="0"/>
-              <a:t> </a:t>
-            </a:r>
-            <a:r>
-              <a:rPr lang="de-DE" dirty="0" smtClean="0"/>
-              <a:t>für HTTP</a:t>
-            </a:r>
-            <a:endParaRPr lang="de-DE" dirty="0" smtClean="0"/>
+              <a:t> für HTTP</a:t>
+            </a:r>
           </a:p>
           <a:p>
             <a:r>
@@ -8013,11 +8153,7 @@
             <a:pPr lvl="1"/>
             <a:r>
               <a:rPr lang="de-DE" dirty="0" smtClean="0"/>
-              <a:t>Testen &amp; Entwickeln von </a:t>
-            </a:r>
-            <a:r>
-              <a:rPr lang="de-DE" dirty="0" smtClean="0"/>
-              <a:t>Konzepten</a:t>
+              <a:t>Testen &amp; Entwickeln von Konzepten</a:t>
             </a:r>
           </a:p>
           <a:p>
@@ -8026,7 +8162,6 @@
               <a:rPr lang="de-DE" dirty="0" smtClean="0"/>
               <a:t>Tests sehr erfolgreich -&gt; Produktiver Einsatz</a:t>
             </a:r>
-            <a:endParaRPr lang="de-DE" dirty="0" smtClean="0"/>
           </a:p>
           <a:p>
             <a:pPr lvl="1"/>
@@ -8315,11 +8450,7 @@
           <a:p>
             <a:r>
               <a:rPr lang="de-DE" dirty="0" smtClean="0"/>
-              <a:t>Anpassung an Veränderungen des </a:t>
-            </a:r>
-            <a:r>
-              <a:rPr lang="de-DE" dirty="0" smtClean="0"/>
-              <a:t>Webs</a:t>
+              <a:t>Anpassung an Veränderungen des Webs</a:t>
             </a:r>
           </a:p>
           <a:p>
@@ -8328,7 +8459,6 @@
               <a:rPr lang="de-DE" dirty="0" smtClean="0"/>
               <a:t>HTTP 1.1: 1999</a:t>
             </a:r>
-            <a:endParaRPr lang="de-DE" dirty="0" smtClean="0"/>
           </a:p>
           <a:p>
             <a:r>
@@ -8589,11 +8719,7 @@
             <a:pPr lvl="1"/>
             <a:r>
               <a:rPr lang="de-DE" dirty="0" smtClean="0"/>
-              <a:t>Jede TCP-Verbindung macht 3-Way-Handshake &amp; Slow-Start durch und versucht Bandbreite zu </a:t>
-            </a:r>
-            <a:r>
-              <a:rPr lang="de-DE" dirty="0" smtClean="0"/>
-              <a:t>regulieren</a:t>
+              <a:t>Jede TCP-Verbindung macht 3-Way-Handshake &amp; Slow-Start durch und versucht Bandbreite zu regulieren</a:t>
             </a:r>
           </a:p>
           <a:p>
@@ -8606,7 +8732,6 @@
               <a:rPr lang="de-DE" dirty="0" smtClean="0"/>
               <a:t>Traffic</a:t>
             </a:r>
-            <a:endParaRPr lang="de-DE" dirty="0" smtClean="0"/>
           </a:p>
           <a:p>
             <a:pPr lvl="1"/>
@@ -8625,11 +8750,7 @@
           <a:p>
             <a:r>
               <a:rPr lang="de-DE" dirty="0" smtClean="0"/>
-              <a:t>SPDY </a:t>
-            </a:r>
-            <a:r>
-              <a:rPr lang="de-DE" dirty="0" smtClean="0"/>
-              <a:t>kann mehrere Datenströme in einer Verbindung handhaben</a:t>
+              <a:t>SPDY kann mehrere Datenströme in einer Verbindung handhaben</a:t>
             </a:r>
             <a:endParaRPr lang="de-DE" dirty="0"/>
           </a:p>
@@ -8712,26 +8833,14 @@
           <a:p>
             <a:r>
               <a:rPr lang="de-DE" dirty="0" smtClean="0"/>
-              <a:t>Gleicher Host: </a:t>
-            </a:r>
-            <a:r>
-              <a:rPr lang="de-DE" dirty="0" smtClean="0"/>
-              <a:t>Separate </a:t>
-            </a:r>
-            <a:r>
-              <a:rPr lang="de-DE" dirty="0" smtClean="0"/>
-              <a:t>Ströme in einer SPDY(&amp; TCP)-Verbindung</a:t>
+              <a:t>Gleicher Host: Separate Ströme in einer SPDY(&amp; TCP)-Verbindung</a:t>
             </a:r>
           </a:p>
           <a:p>
             <a:pPr lvl="1"/>
             <a:r>
               <a:rPr lang="de-DE" dirty="0" smtClean="0"/>
-              <a:t>TCP Flusskontrolle wieder </a:t>
-            </a:r>
-            <a:r>
-              <a:rPr lang="de-DE" dirty="0" smtClean="0"/>
-              <a:t>effektiv</a:t>
+              <a:t>TCP Flusskontrolle wieder effektiv</a:t>
             </a:r>
           </a:p>
           <a:p>
@@ -8757,11 +8866,7 @@
             <a:pPr lvl="1"/>
             <a:r>
               <a:rPr lang="de-DE" dirty="0" smtClean="0"/>
-              <a:t>Mehr „volle“ </a:t>
-            </a:r>
-            <a:r>
-              <a:rPr lang="de-DE" dirty="0" smtClean="0"/>
-              <a:t>Pakete/</a:t>
+              <a:t>Mehr „volle“ Pakete/</a:t>
             </a:r>
             <a:r>
               <a:rPr lang="de-DE" dirty="0" err="1" smtClean="0"/>
@@ -8782,7 +8887,6 @@
               <a:rPr lang="de-DE" dirty="0" smtClean="0"/>
               <a:t>Priorisierung von Paketen</a:t>
             </a:r>
-            <a:endParaRPr lang="de-DE" dirty="0" smtClean="0"/>
           </a:p>
         </p:txBody>
       </p:sp>
